--- a/images/sourcing-packages-in-python.pptx
+++ b/images/sourcing-packages-in-python.pptx
@@ -105,6 +105,11 @@
       </a:defRPr>
     </a:lvl9pPr>
   </p:defaultTextStyle>
+  <p:extLst>
+    <p:ext uri="{EFAFB233-063F-42B5-8137-9DF3F51BA10A}">
+      <p15:sldGuideLst xmlns:p15="http://schemas.microsoft.com/office/powerpoint/2012/main"/>
+    </p:ext>
+  </p:extLst>
 </p:presentation>
 </file>
 
@@ -255,7 +260,7 @@
           <a:p>
             <a:fld id="{DCEEB128-1E65-4641-87B1-44A3FA06E850}" type="datetimeFigureOut">
               <a:rPr lang="en-US" smtClean="0"/>
-              <a:t>6/29/2021</a:t>
+              <a:t>7/3/2021</a:t>
             </a:fld>
             <a:endParaRPr lang="en-US"/>
           </a:p>
@@ -453,7 +458,7 @@
           <a:p>
             <a:fld id="{DCEEB128-1E65-4641-87B1-44A3FA06E850}" type="datetimeFigureOut">
               <a:rPr lang="en-US" smtClean="0"/>
-              <a:t>6/29/2021</a:t>
+              <a:t>7/3/2021</a:t>
             </a:fld>
             <a:endParaRPr lang="en-US"/>
           </a:p>
@@ -661,7 +666,7 @@
           <a:p>
             <a:fld id="{DCEEB128-1E65-4641-87B1-44A3FA06E850}" type="datetimeFigureOut">
               <a:rPr lang="en-US" smtClean="0"/>
-              <a:t>6/29/2021</a:t>
+              <a:t>7/3/2021</a:t>
             </a:fld>
             <a:endParaRPr lang="en-US"/>
           </a:p>
@@ -859,7 +864,7 @@
           <a:p>
             <a:fld id="{DCEEB128-1E65-4641-87B1-44A3FA06E850}" type="datetimeFigureOut">
               <a:rPr lang="en-US" smtClean="0"/>
-              <a:t>6/29/2021</a:t>
+              <a:t>7/3/2021</a:t>
             </a:fld>
             <a:endParaRPr lang="en-US"/>
           </a:p>
@@ -1134,7 +1139,7 @@
           <a:p>
             <a:fld id="{DCEEB128-1E65-4641-87B1-44A3FA06E850}" type="datetimeFigureOut">
               <a:rPr lang="en-US" smtClean="0"/>
-              <a:t>6/29/2021</a:t>
+              <a:t>7/3/2021</a:t>
             </a:fld>
             <a:endParaRPr lang="en-US"/>
           </a:p>
@@ -1399,7 +1404,7 @@
           <a:p>
             <a:fld id="{DCEEB128-1E65-4641-87B1-44A3FA06E850}" type="datetimeFigureOut">
               <a:rPr lang="en-US" smtClean="0"/>
-              <a:t>6/29/2021</a:t>
+              <a:t>7/3/2021</a:t>
             </a:fld>
             <a:endParaRPr lang="en-US"/>
           </a:p>
@@ -1811,7 +1816,7 @@
           <a:p>
             <a:fld id="{DCEEB128-1E65-4641-87B1-44A3FA06E850}" type="datetimeFigureOut">
               <a:rPr lang="en-US" smtClean="0"/>
-              <a:t>6/29/2021</a:t>
+              <a:t>7/3/2021</a:t>
             </a:fld>
             <a:endParaRPr lang="en-US"/>
           </a:p>
@@ -1952,7 +1957,7 @@
           <a:p>
             <a:fld id="{DCEEB128-1E65-4641-87B1-44A3FA06E850}" type="datetimeFigureOut">
               <a:rPr lang="en-US" smtClean="0"/>
-              <a:t>6/29/2021</a:t>
+              <a:t>7/3/2021</a:t>
             </a:fld>
             <a:endParaRPr lang="en-US"/>
           </a:p>
@@ -2065,7 +2070,7 @@
           <a:p>
             <a:fld id="{DCEEB128-1E65-4641-87B1-44A3FA06E850}" type="datetimeFigureOut">
               <a:rPr lang="en-US" smtClean="0"/>
-              <a:t>6/29/2021</a:t>
+              <a:t>7/3/2021</a:t>
             </a:fld>
             <a:endParaRPr lang="en-US"/>
           </a:p>
@@ -2376,7 +2381,7 @@
           <a:p>
             <a:fld id="{DCEEB128-1E65-4641-87B1-44A3FA06E850}" type="datetimeFigureOut">
               <a:rPr lang="en-US" smtClean="0"/>
-              <a:t>6/29/2021</a:t>
+              <a:t>7/3/2021</a:t>
             </a:fld>
             <a:endParaRPr lang="en-US"/>
           </a:p>
@@ -2664,7 +2669,7 @@
           <a:p>
             <a:fld id="{DCEEB128-1E65-4641-87B1-44A3FA06E850}" type="datetimeFigureOut">
               <a:rPr lang="en-US" smtClean="0"/>
-              <a:t>6/29/2021</a:t>
+              <a:t>7/3/2021</a:t>
             </a:fld>
             <a:endParaRPr lang="en-US"/>
           </a:p>
@@ -2905,7 +2910,7 @@
           <a:p>
             <a:fld id="{DCEEB128-1E65-4641-87B1-44A3FA06E850}" type="datetimeFigureOut">
               <a:rPr lang="en-US" smtClean="0"/>
-              <a:t>6/29/2021</a:t>
+              <a:t>7/3/2021</a:t>
             </a:fld>
             <a:endParaRPr lang="en-US"/>
           </a:p>
@@ -3336,8 +3341,8 @@
         </p:nvSpPr>
         <p:spPr>
           <a:xfrm>
-            <a:off x="320841" y="2061229"/>
-            <a:ext cx="2606842" cy="1219381"/>
+            <a:off x="284748" y="1974419"/>
+            <a:ext cx="2606842" cy="1625308"/>
           </a:xfrm>
           <a:prstGeom prst="rect">
             <a:avLst/>
@@ -3374,7 +3379,7 @@
               <a:rPr lang="en-US" sz="1400" dirty="0">
                 <a:latin typeface="Pragmatica" panose="020B7200000000000000" pitchFamily="34" charset="0"/>
               </a:rPr>
-              <a:t>Is it already downloaded?</a:t>
+              <a:t>Is it already downloaded or in session?</a:t>
             </a:r>
           </a:p>
           <a:p>
@@ -3409,6 +3414,18 @@
                 <a:latin typeface="Consolas" panose="020B0609020204030204" pitchFamily="49" charset="0"/>
               </a:rPr>
               <a:t>pip freeze </a:t>
+            </a:r>
+            <a:r>
+              <a:rPr lang="en-US" sz="1400" dirty="0">
+                <a:latin typeface="Pragmatica" panose="020B7200000000000000"/>
+              </a:rPr>
+              <a:t>to scope current environment</a:t>
+            </a:r>
+            <a:r>
+              <a:rPr lang="en-US" sz="1400" dirty="0">
+                <a:latin typeface="Consolas" panose="020B0609020204030204" pitchFamily="49" charset="0"/>
+              </a:rPr>
+              <a:t> </a:t>
             </a:r>
           </a:p>
         </p:txBody>
@@ -3429,8 +3446,8 @@
         </p:nvCxnSpPr>
         <p:spPr>
           <a:xfrm flipV="1">
-            <a:off x="2979819" y="1628455"/>
-            <a:ext cx="1070812" cy="545432"/>
+            <a:off x="2979819" y="1146827"/>
+            <a:ext cx="3177913" cy="1027060"/>
           </a:xfrm>
           <a:prstGeom prst="straightConnector1">
             <a:avLst/>
@@ -3646,7 +3663,7 @@
         </p:nvSpPr>
         <p:spPr>
           <a:xfrm>
-            <a:off x="4146883" y="561474"/>
+            <a:off x="6321349" y="169922"/>
             <a:ext cx="2502568" cy="1066981"/>
           </a:xfrm>
           <a:prstGeom prst="rect">
@@ -3699,7 +3716,7 @@
               <a:rPr lang="en-US" sz="1400" dirty="0">
                 <a:latin typeface="Consolas" panose="020B0609020204030204" pitchFamily="49" charset="0"/>
               </a:rPr>
-              <a:t>Import </a:t>
+              <a:t>import </a:t>
             </a:r>
             <a:r>
               <a:rPr lang="en-US" sz="1400" dirty="0" err="1">
@@ -3889,7 +3906,7 @@
         </p:nvSpPr>
         <p:spPr>
           <a:xfrm>
-            <a:off x="7090610" y="3080265"/>
+            <a:off x="7599896" y="3167075"/>
             <a:ext cx="2855495" cy="770021"/>
           </a:xfrm>
           <a:prstGeom prst="rect">
@@ -4041,6 +4058,94 @@
           </a:p>
         </p:txBody>
       </p:sp>
+      <p:cxnSp>
+        <p:nvCxnSpPr>
+          <p:cNvPr id="18" name="Straight Arrow Connector 17">
+            <a:extLst>
+              <a:ext uri="{FF2B5EF4-FFF2-40B4-BE49-F238E27FC236}">
+                <a16:creationId xmlns:a16="http://schemas.microsoft.com/office/drawing/2014/main" id="{2CBA927A-5BB0-4C2B-A96A-6029ABF6A26B}"/>
+              </a:ext>
+            </a:extLst>
+          </p:cNvPr>
+          <p:cNvCxnSpPr>
+            <a:cxnSpLocks/>
+          </p:cNvCxnSpPr>
+          <p:nvPr/>
+        </p:nvCxnSpPr>
+        <p:spPr>
+          <a:xfrm flipH="1" flipV="1">
+            <a:off x="7506182" y="1381886"/>
+            <a:ext cx="486796" cy="1612911"/>
+          </a:xfrm>
+          <a:prstGeom prst="straightConnector1">
+            <a:avLst/>
+          </a:prstGeom>
+          <a:ln>
+            <a:solidFill>
+              <a:schemeClr val="tx1"/>
+            </a:solidFill>
+            <a:tailEnd type="triangle"/>
+          </a:ln>
+        </p:spPr>
+        <p:style>
+          <a:lnRef idx="1">
+            <a:schemeClr val="accent1"/>
+          </a:lnRef>
+          <a:fillRef idx="0">
+            <a:schemeClr val="accent1"/>
+          </a:fillRef>
+          <a:effectRef idx="0">
+            <a:schemeClr val="accent1"/>
+          </a:effectRef>
+          <a:fontRef idx="minor">
+            <a:schemeClr val="tx1"/>
+          </a:fontRef>
+        </p:style>
+      </p:cxnSp>
+      <p:cxnSp>
+        <p:nvCxnSpPr>
+          <p:cNvPr id="20" name="Straight Arrow Connector 19">
+            <a:extLst>
+              <a:ext uri="{FF2B5EF4-FFF2-40B4-BE49-F238E27FC236}">
+                <a16:creationId xmlns:a16="http://schemas.microsoft.com/office/drawing/2014/main" id="{CC4B095E-951D-4422-9DF1-43049C3899B0}"/>
+              </a:ext>
+            </a:extLst>
+          </p:cNvPr>
+          <p:cNvCxnSpPr>
+            <a:cxnSpLocks/>
+          </p:cNvCxnSpPr>
+          <p:nvPr/>
+        </p:nvCxnSpPr>
+        <p:spPr>
+          <a:xfrm flipH="1" flipV="1">
+            <a:off x="7060557" y="1390296"/>
+            <a:ext cx="539339" cy="3924015"/>
+          </a:xfrm>
+          <a:prstGeom prst="straightConnector1">
+            <a:avLst/>
+          </a:prstGeom>
+          <a:ln>
+            <a:solidFill>
+              <a:schemeClr val="tx1"/>
+            </a:solidFill>
+            <a:tailEnd type="triangle"/>
+          </a:ln>
+        </p:spPr>
+        <p:style>
+          <a:lnRef idx="1">
+            <a:schemeClr val="accent1"/>
+          </a:lnRef>
+          <a:fillRef idx="0">
+            <a:schemeClr val="accent1"/>
+          </a:fillRef>
+          <a:effectRef idx="0">
+            <a:schemeClr val="accent1"/>
+          </a:effectRef>
+          <a:fontRef idx="minor">
+            <a:schemeClr val="tx1"/>
+          </a:fontRef>
+        </p:style>
+      </p:cxnSp>
     </p:spTree>
     <p:extLst>
       <p:ext uri="{BB962C8B-B14F-4D97-AF65-F5344CB8AC3E}">
@@ -4073,10 +4178,10 @@
       </p:grpSpPr>
       <p:pic>
         <p:nvPicPr>
-          <p:cNvPr id="4" name="Picture 3">
-            <a:extLst>
-              <a:ext uri="{FF2B5EF4-FFF2-40B4-BE49-F238E27FC236}">
-                <a16:creationId xmlns:a16="http://schemas.microsoft.com/office/drawing/2014/main" id="{99592704-B7D6-4FDC-BB3A-8D96B83C9389}"/>
+          <p:cNvPr id="3" name="Picture 2">
+            <a:extLst>
+              <a:ext uri="{FF2B5EF4-FFF2-40B4-BE49-F238E27FC236}">
+                <a16:creationId xmlns:a16="http://schemas.microsoft.com/office/drawing/2014/main" id="{C313652E-775C-44D2-9044-18F9F086F021}"/>
               </a:ext>
             </a:extLst>
           </p:cNvPr>
@@ -4093,8 +4198,8 @@
         </p:blipFill>
         <p:spPr>
           <a:xfrm>
-            <a:off x="1282791" y="578873"/>
-            <a:ext cx="9626418" cy="5700254"/>
+            <a:off x="1011495" y="383784"/>
+            <a:ext cx="10169009" cy="6090432"/>
           </a:xfrm>
           <a:prstGeom prst="rect">
             <a:avLst/>

--- a/images/sourcing-packages-in-python.pptx
+++ b/images/sourcing-packages-in-python.pptx
@@ -2,19 +2,18 @@
 <file path=ppt/presentation.xml><?xml version="1.0" encoding="utf-8"?>
 <p:presentation xmlns:a="http://schemas.openxmlformats.org/drawingml/2006/main" xmlns:r="http://schemas.openxmlformats.org/officeDocument/2006/relationships" xmlns:p="http://schemas.openxmlformats.org/presentationml/2006/main" saveSubsetFonts="1">
   <p:sldMasterIdLst>
-    <p:sldMasterId id="2147483648" r:id="rId1"/>
+    <p:sldMasterId id="2147483660" r:id="rId1"/>
   </p:sldMasterIdLst>
   <p:sldIdLst>
     <p:sldId id="257" r:id="rId2"/>
-    <p:sldId id="258" r:id="rId3"/>
   </p:sldIdLst>
-  <p:sldSz cx="12192000" cy="6858000"/>
+  <p:sldSz cx="12192000" cy="9144000"/>
   <p:notesSz cx="6858000" cy="9144000"/>
   <p:defaultTextStyle>
     <a:defPPr>
       <a:defRPr lang="en-US"/>
     </a:defPPr>
-    <a:lvl1pPr marL="0" algn="l" defTabSz="914400" rtl="0" eaLnBrk="1" latinLnBrk="0" hangingPunct="1">
+    <a:lvl1pPr marL="0" algn="l" defTabSz="457200" rtl="0" eaLnBrk="1" latinLnBrk="0" hangingPunct="1">
       <a:defRPr sz="1800" kern="1200">
         <a:solidFill>
           <a:schemeClr val="tx1"/>
@@ -24,7 +23,7 @@
         <a:cs typeface="+mn-cs"/>
       </a:defRPr>
     </a:lvl1pPr>
-    <a:lvl2pPr marL="457200" algn="l" defTabSz="914400" rtl="0" eaLnBrk="1" latinLnBrk="0" hangingPunct="1">
+    <a:lvl2pPr marL="457200" algn="l" defTabSz="457200" rtl="0" eaLnBrk="1" latinLnBrk="0" hangingPunct="1">
       <a:defRPr sz="1800" kern="1200">
         <a:solidFill>
           <a:schemeClr val="tx1"/>
@@ -34,7 +33,7 @@
         <a:cs typeface="+mn-cs"/>
       </a:defRPr>
     </a:lvl2pPr>
-    <a:lvl3pPr marL="914400" algn="l" defTabSz="914400" rtl="0" eaLnBrk="1" latinLnBrk="0" hangingPunct="1">
+    <a:lvl3pPr marL="914400" algn="l" defTabSz="457200" rtl="0" eaLnBrk="1" latinLnBrk="0" hangingPunct="1">
       <a:defRPr sz="1800" kern="1200">
         <a:solidFill>
           <a:schemeClr val="tx1"/>
@@ -44,7 +43,7 @@
         <a:cs typeface="+mn-cs"/>
       </a:defRPr>
     </a:lvl3pPr>
-    <a:lvl4pPr marL="1371600" algn="l" defTabSz="914400" rtl="0" eaLnBrk="1" latinLnBrk="0" hangingPunct="1">
+    <a:lvl4pPr marL="1371600" algn="l" defTabSz="457200" rtl="0" eaLnBrk="1" latinLnBrk="0" hangingPunct="1">
       <a:defRPr sz="1800" kern="1200">
         <a:solidFill>
           <a:schemeClr val="tx1"/>
@@ -54,7 +53,7 @@
         <a:cs typeface="+mn-cs"/>
       </a:defRPr>
     </a:lvl4pPr>
-    <a:lvl5pPr marL="1828800" algn="l" defTabSz="914400" rtl="0" eaLnBrk="1" latinLnBrk="0" hangingPunct="1">
+    <a:lvl5pPr marL="1828800" algn="l" defTabSz="457200" rtl="0" eaLnBrk="1" latinLnBrk="0" hangingPunct="1">
       <a:defRPr sz="1800" kern="1200">
         <a:solidFill>
           <a:schemeClr val="tx1"/>
@@ -64,7 +63,7 @@
         <a:cs typeface="+mn-cs"/>
       </a:defRPr>
     </a:lvl5pPr>
-    <a:lvl6pPr marL="2286000" algn="l" defTabSz="914400" rtl="0" eaLnBrk="1" latinLnBrk="0" hangingPunct="1">
+    <a:lvl6pPr marL="2286000" algn="l" defTabSz="457200" rtl="0" eaLnBrk="1" latinLnBrk="0" hangingPunct="1">
       <a:defRPr sz="1800" kern="1200">
         <a:solidFill>
           <a:schemeClr val="tx1"/>
@@ -74,7 +73,7 @@
         <a:cs typeface="+mn-cs"/>
       </a:defRPr>
     </a:lvl6pPr>
-    <a:lvl7pPr marL="2743200" algn="l" defTabSz="914400" rtl="0" eaLnBrk="1" latinLnBrk="0" hangingPunct="1">
+    <a:lvl7pPr marL="2743200" algn="l" defTabSz="457200" rtl="0" eaLnBrk="1" latinLnBrk="0" hangingPunct="1">
       <a:defRPr sz="1800" kern="1200">
         <a:solidFill>
           <a:schemeClr val="tx1"/>
@@ -84,7 +83,7 @@
         <a:cs typeface="+mn-cs"/>
       </a:defRPr>
     </a:lvl7pPr>
-    <a:lvl8pPr marL="3200400" algn="l" defTabSz="914400" rtl="0" eaLnBrk="1" latinLnBrk="0" hangingPunct="1">
+    <a:lvl8pPr marL="3200400" algn="l" defTabSz="457200" rtl="0" eaLnBrk="1" latinLnBrk="0" hangingPunct="1">
       <a:defRPr sz="1800" kern="1200">
         <a:solidFill>
           <a:schemeClr val="tx1"/>
@@ -94,7 +93,7 @@
         <a:cs typeface="+mn-cs"/>
       </a:defRPr>
     </a:lvl8pPr>
-    <a:lvl9pPr marL="3657600" algn="l" defTabSz="914400" rtl="0" eaLnBrk="1" latinLnBrk="0" hangingPunct="1">
+    <a:lvl9pPr marL="3657600" algn="l" defTabSz="457200" rtl="0" eaLnBrk="1" latinLnBrk="0" hangingPunct="1">
       <a:defRPr sz="1800" kern="1200">
         <a:solidFill>
           <a:schemeClr val="tx1"/>
@@ -105,6 +104,11 @@
       </a:defRPr>
     </a:lvl9pPr>
   </p:defaultTextStyle>
+  <p:extLst>
+    <p:ext uri="{EFAFB233-063F-42B5-8137-9DF3F51BA10A}">
+      <p15:sldGuideLst xmlns:p15="http://schemas.microsoft.com/office/powerpoint/2012/main"/>
+    </p:ext>
+  </p:extLst>
 </p:presentation>
 </file>
 
@@ -127,13 +131,7 @@
       </p:grpSpPr>
       <p:sp>
         <p:nvSpPr>
-          <p:cNvPr id="2" name="Title 1">
-            <a:extLst>
-              <a:ext uri="{FF2B5EF4-FFF2-40B4-BE49-F238E27FC236}">
-                <a16:creationId xmlns:a16="http://schemas.microsoft.com/office/drawing/2014/main" id="{0A544656-F6B5-4A02-B085-077D7DE7E876}"/>
-              </a:ext>
-            </a:extLst>
-          </p:cNvPr>
+          <p:cNvPr id="2" name="Title 1"/>
           <p:cNvSpPr>
             <a:spLocks noGrp="1"/>
           </p:cNvSpPr>
@@ -143,15 +141,15 @@
         </p:nvSpPr>
         <p:spPr>
           <a:xfrm>
-            <a:off x="1524000" y="1122363"/>
-            <a:ext cx="9144000" cy="2387600"/>
+            <a:off x="914400" y="1496484"/>
+            <a:ext cx="10363200" cy="3183467"/>
           </a:xfrm>
         </p:spPr>
         <p:txBody>
           <a:bodyPr anchor="b"/>
           <a:lstStyle>
             <a:lvl1pPr algn="ctr">
-              <a:defRPr sz="6000"/>
+              <a:defRPr sz="8000"/>
             </a:lvl1pPr>
           </a:lstStyle>
           <a:p>
@@ -159,18 +157,13 @@
               <a:rPr lang="en-US"/>
               <a:t>Click to edit Master title style</a:t>
             </a:r>
-          </a:p>
-        </p:txBody>
-      </p:sp>
-      <p:sp>
-        <p:nvSpPr>
-          <p:cNvPr id="3" name="Subtitle 2">
-            <a:extLst>
-              <a:ext uri="{FF2B5EF4-FFF2-40B4-BE49-F238E27FC236}">
-                <a16:creationId xmlns:a16="http://schemas.microsoft.com/office/drawing/2014/main" id="{40B0E823-F867-4630-8C1C-089C34A0E44F}"/>
-              </a:ext>
-            </a:extLst>
-          </p:cNvPr>
+            <a:endParaRPr lang="en-US" dirty="0"/>
+          </a:p>
+        </p:txBody>
+      </p:sp>
+      <p:sp>
+        <p:nvSpPr>
+          <p:cNvPr id="3" name="Subtitle 2"/>
           <p:cNvSpPr>
             <a:spLocks noGrp="1"/>
           </p:cNvSpPr>
@@ -180,8 +173,8 @@
         </p:nvSpPr>
         <p:spPr>
           <a:xfrm>
-            <a:off x="1524000" y="3602038"/>
-            <a:ext cx="9144000" cy="1655762"/>
+            <a:off x="1524000" y="4802717"/>
+            <a:ext cx="9144000" cy="2207683"/>
           </a:xfrm>
         </p:spPr>
         <p:txBody>
@@ -189,39 +182,39 @@
           <a:lstStyle>
             <a:lvl1pPr marL="0" indent="0" algn="ctr">
               <a:buNone/>
+              <a:defRPr sz="3200"/>
+            </a:lvl1pPr>
+            <a:lvl2pPr marL="609585" indent="0" algn="ctr">
+              <a:buNone/>
+              <a:defRPr sz="2667"/>
+            </a:lvl2pPr>
+            <a:lvl3pPr marL="1219170" indent="0" algn="ctr">
+              <a:buNone/>
               <a:defRPr sz="2400"/>
-            </a:lvl1pPr>
-            <a:lvl2pPr marL="457200" indent="0" algn="ctr">
-              <a:buNone/>
-              <a:defRPr sz="2000"/>
-            </a:lvl2pPr>
-            <a:lvl3pPr marL="914400" indent="0" algn="ctr">
-              <a:buNone/>
-              <a:defRPr sz="1800"/>
             </a:lvl3pPr>
-            <a:lvl4pPr marL="1371600" indent="0" algn="ctr">
-              <a:buNone/>
-              <a:defRPr sz="1600"/>
+            <a:lvl4pPr marL="1828754" indent="0" algn="ctr">
+              <a:buNone/>
+              <a:defRPr sz="2133"/>
             </a:lvl4pPr>
-            <a:lvl5pPr marL="1828800" indent="0" algn="ctr">
-              <a:buNone/>
-              <a:defRPr sz="1600"/>
+            <a:lvl5pPr marL="2438339" indent="0" algn="ctr">
+              <a:buNone/>
+              <a:defRPr sz="2133"/>
             </a:lvl5pPr>
-            <a:lvl6pPr marL="2286000" indent="0" algn="ctr">
-              <a:buNone/>
-              <a:defRPr sz="1600"/>
+            <a:lvl6pPr marL="3047924" indent="0" algn="ctr">
+              <a:buNone/>
+              <a:defRPr sz="2133"/>
             </a:lvl6pPr>
-            <a:lvl7pPr marL="2743200" indent="0" algn="ctr">
-              <a:buNone/>
-              <a:defRPr sz="1600"/>
+            <a:lvl7pPr marL="3657509" indent="0" algn="ctr">
+              <a:buNone/>
+              <a:defRPr sz="2133"/>
             </a:lvl7pPr>
-            <a:lvl8pPr marL="3200400" indent="0" algn="ctr">
-              <a:buNone/>
-              <a:defRPr sz="1600"/>
+            <a:lvl8pPr marL="4267093" indent="0" algn="ctr">
+              <a:buNone/>
+              <a:defRPr sz="2133"/>
             </a:lvl8pPr>
-            <a:lvl9pPr marL="3657600" indent="0" algn="ctr">
-              <a:buNone/>
-              <a:defRPr sz="1600"/>
+            <a:lvl9pPr marL="4876678" indent="0" algn="ctr">
+              <a:buNone/>
+              <a:defRPr sz="2133"/>
             </a:lvl9pPr>
           </a:lstStyle>
           <a:p>
@@ -229,18 +222,13 @@
               <a:rPr lang="en-US"/>
               <a:t>Click to edit Master subtitle style</a:t>
             </a:r>
-          </a:p>
-        </p:txBody>
-      </p:sp>
-      <p:sp>
-        <p:nvSpPr>
-          <p:cNvPr id="4" name="Date Placeholder 3">
-            <a:extLst>
-              <a:ext uri="{FF2B5EF4-FFF2-40B4-BE49-F238E27FC236}">
-                <a16:creationId xmlns:a16="http://schemas.microsoft.com/office/drawing/2014/main" id="{1A679240-B970-465D-B4CD-ACF4DADCCF0F}"/>
-              </a:ext>
-            </a:extLst>
-          </p:cNvPr>
+            <a:endParaRPr lang="en-US" dirty="0"/>
+          </a:p>
+        </p:txBody>
+      </p:sp>
+      <p:sp>
+        <p:nvSpPr>
+          <p:cNvPr id="4" name="Date Placeholder 3"/>
           <p:cNvSpPr>
             <a:spLocks noGrp="1"/>
           </p:cNvSpPr>
@@ -255,7 +243,7 @@
           <a:p>
             <a:fld id="{DCEEB128-1E65-4641-87B1-44A3FA06E850}" type="datetimeFigureOut">
               <a:rPr lang="en-US" smtClean="0"/>
-              <a:t>6/29/2021</a:t>
+              <a:t>7/25/2021</a:t>
             </a:fld>
             <a:endParaRPr lang="en-US"/>
           </a:p>
@@ -263,13 +251,7 @@
       </p:sp>
       <p:sp>
         <p:nvSpPr>
-          <p:cNvPr id="5" name="Footer Placeholder 4">
-            <a:extLst>
-              <a:ext uri="{FF2B5EF4-FFF2-40B4-BE49-F238E27FC236}">
-                <a16:creationId xmlns:a16="http://schemas.microsoft.com/office/drawing/2014/main" id="{99319339-A004-418E-95DF-0A260AC33F6B}"/>
-              </a:ext>
-            </a:extLst>
-          </p:cNvPr>
+          <p:cNvPr id="5" name="Footer Placeholder 4"/>
           <p:cNvSpPr>
             <a:spLocks noGrp="1"/>
           </p:cNvSpPr>
@@ -288,13 +270,7 @@
       </p:sp>
       <p:sp>
         <p:nvSpPr>
-          <p:cNvPr id="6" name="Slide Number Placeholder 5">
-            <a:extLst>
-              <a:ext uri="{FF2B5EF4-FFF2-40B4-BE49-F238E27FC236}">
-                <a16:creationId xmlns:a16="http://schemas.microsoft.com/office/drawing/2014/main" id="{B998F0AE-27C0-4A18-9BDA-07913404DF68}"/>
-              </a:ext>
-            </a:extLst>
-          </p:cNvPr>
+          <p:cNvPr id="6" name="Slide Number Placeholder 5"/>
           <p:cNvSpPr>
             <a:spLocks noGrp="1"/>
           </p:cNvSpPr>
@@ -318,7 +294,7 @@
     </p:spTree>
     <p:extLst>
       <p:ext uri="{BB962C8B-B14F-4D97-AF65-F5344CB8AC3E}">
-        <p14:creationId xmlns:p14="http://schemas.microsoft.com/office/powerpoint/2010/main" val="3986079670"/>
+        <p14:creationId xmlns:p14="http://schemas.microsoft.com/office/powerpoint/2010/main" val="4145904021"/>
       </p:ext>
     </p:extLst>
   </p:cSld>
@@ -347,13 +323,7 @@
       </p:grpSpPr>
       <p:sp>
         <p:nvSpPr>
-          <p:cNvPr id="2" name="Title 1">
-            <a:extLst>
-              <a:ext uri="{FF2B5EF4-FFF2-40B4-BE49-F238E27FC236}">
-                <a16:creationId xmlns:a16="http://schemas.microsoft.com/office/drawing/2014/main" id="{00205627-5F83-49C8-AA07-E7F9D09EE58A}"/>
-              </a:ext>
-            </a:extLst>
-          </p:cNvPr>
+          <p:cNvPr id="2" name="Title 1"/>
           <p:cNvSpPr>
             <a:spLocks noGrp="1"/>
           </p:cNvSpPr>
@@ -370,18 +340,13 @@
               <a:rPr lang="en-US"/>
               <a:t>Click to edit Master title style</a:t>
             </a:r>
-          </a:p>
-        </p:txBody>
-      </p:sp>
-      <p:sp>
-        <p:nvSpPr>
-          <p:cNvPr id="3" name="Vertical Text Placeholder 2">
-            <a:extLst>
-              <a:ext uri="{FF2B5EF4-FFF2-40B4-BE49-F238E27FC236}">
-                <a16:creationId xmlns:a16="http://schemas.microsoft.com/office/drawing/2014/main" id="{DFA08153-3EA3-473D-BD44-AA7E59ECB280}"/>
-              </a:ext>
-            </a:extLst>
-          </p:cNvPr>
+            <a:endParaRPr lang="en-US" dirty="0"/>
+          </a:p>
+        </p:txBody>
+      </p:sp>
+      <p:sp>
+        <p:nvSpPr>
+          <p:cNvPr id="3" name="Vertical Text Placeholder 2"/>
           <p:cNvSpPr>
             <a:spLocks noGrp="1"/>
           </p:cNvSpPr>
@@ -427,18 +392,13 @@
               <a:rPr lang="en-US"/>
               <a:t>Fifth level</a:t>
             </a:r>
-          </a:p>
-        </p:txBody>
-      </p:sp>
-      <p:sp>
-        <p:nvSpPr>
-          <p:cNvPr id="4" name="Date Placeholder 3">
-            <a:extLst>
-              <a:ext uri="{FF2B5EF4-FFF2-40B4-BE49-F238E27FC236}">
-                <a16:creationId xmlns:a16="http://schemas.microsoft.com/office/drawing/2014/main" id="{A9789E5B-BEE9-46B0-B101-C96B92C514D6}"/>
-              </a:ext>
-            </a:extLst>
-          </p:cNvPr>
+            <a:endParaRPr lang="en-US" dirty="0"/>
+          </a:p>
+        </p:txBody>
+      </p:sp>
+      <p:sp>
+        <p:nvSpPr>
+          <p:cNvPr id="4" name="Date Placeholder 3"/>
           <p:cNvSpPr>
             <a:spLocks noGrp="1"/>
           </p:cNvSpPr>
@@ -453,7 +413,7 @@
           <a:p>
             <a:fld id="{DCEEB128-1E65-4641-87B1-44A3FA06E850}" type="datetimeFigureOut">
               <a:rPr lang="en-US" smtClean="0"/>
-              <a:t>6/29/2021</a:t>
+              <a:t>7/25/2021</a:t>
             </a:fld>
             <a:endParaRPr lang="en-US"/>
           </a:p>
@@ -461,13 +421,7 @@
       </p:sp>
       <p:sp>
         <p:nvSpPr>
-          <p:cNvPr id="5" name="Footer Placeholder 4">
-            <a:extLst>
-              <a:ext uri="{FF2B5EF4-FFF2-40B4-BE49-F238E27FC236}">
-                <a16:creationId xmlns:a16="http://schemas.microsoft.com/office/drawing/2014/main" id="{C4D45C9F-42E3-4EF7-91EE-4734B43E6EA9}"/>
-              </a:ext>
-            </a:extLst>
-          </p:cNvPr>
+          <p:cNvPr id="5" name="Footer Placeholder 4"/>
           <p:cNvSpPr>
             <a:spLocks noGrp="1"/>
           </p:cNvSpPr>
@@ -486,13 +440,7 @@
       </p:sp>
       <p:sp>
         <p:nvSpPr>
-          <p:cNvPr id="6" name="Slide Number Placeholder 5">
-            <a:extLst>
-              <a:ext uri="{FF2B5EF4-FFF2-40B4-BE49-F238E27FC236}">
-                <a16:creationId xmlns:a16="http://schemas.microsoft.com/office/drawing/2014/main" id="{2B9C9108-2F33-4B82-8FC2-51C866BEA786}"/>
-              </a:ext>
-            </a:extLst>
-          </p:cNvPr>
+          <p:cNvPr id="6" name="Slide Number Placeholder 5"/>
           <p:cNvSpPr>
             <a:spLocks noGrp="1"/>
           </p:cNvSpPr>
@@ -516,7 +464,7 @@
     </p:spTree>
     <p:extLst>
       <p:ext uri="{BB962C8B-B14F-4D97-AF65-F5344CB8AC3E}">
-        <p14:creationId xmlns:p14="http://schemas.microsoft.com/office/powerpoint/2010/main" val="2004035859"/>
+        <p14:creationId xmlns:p14="http://schemas.microsoft.com/office/powerpoint/2010/main" val="1171744955"/>
       </p:ext>
     </p:extLst>
   </p:cSld>
@@ -545,13 +493,7 @@
       </p:grpSpPr>
       <p:sp>
         <p:nvSpPr>
-          <p:cNvPr id="2" name="Vertical Title 1">
-            <a:extLst>
-              <a:ext uri="{FF2B5EF4-FFF2-40B4-BE49-F238E27FC236}">
-                <a16:creationId xmlns:a16="http://schemas.microsoft.com/office/drawing/2014/main" id="{76DB5154-BD2A-461F-BC14-F365E66359E4}"/>
-              </a:ext>
-            </a:extLst>
-          </p:cNvPr>
+          <p:cNvPr id="2" name="Vertical Title 1"/>
           <p:cNvSpPr>
             <a:spLocks noGrp="1"/>
           </p:cNvSpPr>
@@ -561,8 +503,8 @@
         </p:nvSpPr>
         <p:spPr>
           <a:xfrm>
-            <a:off x="8724900" y="365125"/>
-            <a:ext cx="2628900" cy="5811838"/>
+            <a:off x="8724901" y="486834"/>
+            <a:ext cx="2628900" cy="7749117"/>
           </a:xfrm>
         </p:spPr>
         <p:txBody>
@@ -573,18 +515,13 @@
               <a:rPr lang="en-US"/>
               <a:t>Click to edit Master title style</a:t>
             </a:r>
-          </a:p>
-        </p:txBody>
-      </p:sp>
-      <p:sp>
-        <p:nvSpPr>
-          <p:cNvPr id="3" name="Vertical Text Placeholder 2">
-            <a:extLst>
-              <a:ext uri="{FF2B5EF4-FFF2-40B4-BE49-F238E27FC236}">
-                <a16:creationId xmlns:a16="http://schemas.microsoft.com/office/drawing/2014/main" id="{194B6644-4F5C-413F-84EF-4D72E715EAB4}"/>
-              </a:ext>
-            </a:extLst>
-          </p:cNvPr>
+            <a:endParaRPr lang="en-US" dirty="0"/>
+          </a:p>
+        </p:txBody>
+      </p:sp>
+      <p:sp>
+        <p:nvSpPr>
+          <p:cNvPr id="3" name="Vertical Text Placeholder 2"/>
           <p:cNvSpPr>
             <a:spLocks noGrp="1"/>
           </p:cNvSpPr>
@@ -594,8 +531,8 @@
         </p:nvSpPr>
         <p:spPr>
           <a:xfrm>
-            <a:off x="838200" y="365125"/>
-            <a:ext cx="7734300" cy="5811838"/>
+            <a:off x="838201" y="486834"/>
+            <a:ext cx="7734300" cy="7749117"/>
           </a:xfrm>
         </p:spPr>
         <p:txBody>
@@ -635,18 +572,13 @@
               <a:rPr lang="en-US"/>
               <a:t>Fifth level</a:t>
             </a:r>
-          </a:p>
-        </p:txBody>
-      </p:sp>
-      <p:sp>
-        <p:nvSpPr>
-          <p:cNvPr id="4" name="Date Placeholder 3">
-            <a:extLst>
-              <a:ext uri="{FF2B5EF4-FFF2-40B4-BE49-F238E27FC236}">
-                <a16:creationId xmlns:a16="http://schemas.microsoft.com/office/drawing/2014/main" id="{00AC3320-1C16-4C85-BDB9-FD267BDEBA68}"/>
-              </a:ext>
-            </a:extLst>
-          </p:cNvPr>
+            <a:endParaRPr lang="en-US" dirty="0"/>
+          </a:p>
+        </p:txBody>
+      </p:sp>
+      <p:sp>
+        <p:nvSpPr>
+          <p:cNvPr id="4" name="Date Placeholder 3"/>
           <p:cNvSpPr>
             <a:spLocks noGrp="1"/>
           </p:cNvSpPr>
@@ -661,7 +593,7 @@
           <a:p>
             <a:fld id="{DCEEB128-1E65-4641-87B1-44A3FA06E850}" type="datetimeFigureOut">
               <a:rPr lang="en-US" smtClean="0"/>
-              <a:t>6/29/2021</a:t>
+              <a:t>7/25/2021</a:t>
             </a:fld>
             <a:endParaRPr lang="en-US"/>
           </a:p>
@@ -669,13 +601,7 @@
       </p:sp>
       <p:sp>
         <p:nvSpPr>
-          <p:cNvPr id="5" name="Footer Placeholder 4">
-            <a:extLst>
-              <a:ext uri="{FF2B5EF4-FFF2-40B4-BE49-F238E27FC236}">
-                <a16:creationId xmlns:a16="http://schemas.microsoft.com/office/drawing/2014/main" id="{AA505305-F9DC-4E57-89A2-D4D6497CACCC}"/>
-              </a:ext>
-            </a:extLst>
-          </p:cNvPr>
+          <p:cNvPr id="5" name="Footer Placeholder 4"/>
           <p:cNvSpPr>
             <a:spLocks noGrp="1"/>
           </p:cNvSpPr>
@@ -694,13 +620,7 @@
       </p:sp>
       <p:sp>
         <p:nvSpPr>
-          <p:cNvPr id="6" name="Slide Number Placeholder 5">
-            <a:extLst>
-              <a:ext uri="{FF2B5EF4-FFF2-40B4-BE49-F238E27FC236}">
-                <a16:creationId xmlns:a16="http://schemas.microsoft.com/office/drawing/2014/main" id="{E68B7CC0-6807-4631-BAC4-E8DBBACF9852}"/>
-              </a:ext>
-            </a:extLst>
-          </p:cNvPr>
+          <p:cNvPr id="6" name="Slide Number Placeholder 5"/>
           <p:cNvSpPr>
             <a:spLocks noGrp="1"/>
           </p:cNvSpPr>
@@ -724,7 +644,7 @@
     </p:spTree>
     <p:extLst>
       <p:ext uri="{BB962C8B-B14F-4D97-AF65-F5344CB8AC3E}">
-        <p14:creationId xmlns:p14="http://schemas.microsoft.com/office/powerpoint/2010/main" val="3282903749"/>
+        <p14:creationId xmlns:p14="http://schemas.microsoft.com/office/powerpoint/2010/main" val="3443813384"/>
       </p:ext>
     </p:extLst>
   </p:cSld>
@@ -753,13 +673,7 @@
       </p:grpSpPr>
       <p:sp>
         <p:nvSpPr>
-          <p:cNvPr id="2" name="Title 1">
-            <a:extLst>
-              <a:ext uri="{FF2B5EF4-FFF2-40B4-BE49-F238E27FC236}">
-                <a16:creationId xmlns:a16="http://schemas.microsoft.com/office/drawing/2014/main" id="{C3F2F490-EE80-4438-9E5A-3C2CE170EAAE}"/>
-              </a:ext>
-            </a:extLst>
-          </p:cNvPr>
+          <p:cNvPr id="2" name="Title 1"/>
           <p:cNvSpPr>
             <a:spLocks noGrp="1"/>
           </p:cNvSpPr>
@@ -776,18 +690,13 @@
               <a:rPr lang="en-US"/>
               <a:t>Click to edit Master title style</a:t>
             </a:r>
-          </a:p>
-        </p:txBody>
-      </p:sp>
-      <p:sp>
-        <p:nvSpPr>
-          <p:cNvPr id="3" name="Content Placeholder 2">
-            <a:extLst>
-              <a:ext uri="{FF2B5EF4-FFF2-40B4-BE49-F238E27FC236}">
-                <a16:creationId xmlns:a16="http://schemas.microsoft.com/office/drawing/2014/main" id="{5242D3A6-BCEC-4455-808C-B930C79BF9F7}"/>
-              </a:ext>
-            </a:extLst>
-          </p:cNvPr>
+            <a:endParaRPr lang="en-US" dirty="0"/>
+          </a:p>
+        </p:txBody>
+      </p:sp>
+      <p:sp>
+        <p:nvSpPr>
+          <p:cNvPr id="3" name="Content Placeholder 2"/>
           <p:cNvSpPr>
             <a:spLocks noGrp="1"/>
           </p:cNvSpPr>
@@ -833,18 +742,13 @@
               <a:rPr lang="en-US"/>
               <a:t>Fifth level</a:t>
             </a:r>
-          </a:p>
-        </p:txBody>
-      </p:sp>
-      <p:sp>
-        <p:nvSpPr>
-          <p:cNvPr id="4" name="Date Placeholder 3">
-            <a:extLst>
-              <a:ext uri="{FF2B5EF4-FFF2-40B4-BE49-F238E27FC236}">
-                <a16:creationId xmlns:a16="http://schemas.microsoft.com/office/drawing/2014/main" id="{361F2938-2B48-4273-8FEF-E15ACCB3245D}"/>
-              </a:ext>
-            </a:extLst>
-          </p:cNvPr>
+            <a:endParaRPr lang="en-US" dirty="0"/>
+          </a:p>
+        </p:txBody>
+      </p:sp>
+      <p:sp>
+        <p:nvSpPr>
+          <p:cNvPr id="4" name="Date Placeholder 3"/>
           <p:cNvSpPr>
             <a:spLocks noGrp="1"/>
           </p:cNvSpPr>
@@ -859,7 +763,7 @@
           <a:p>
             <a:fld id="{DCEEB128-1E65-4641-87B1-44A3FA06E850}" type="datetimeFigureOut">
               <a:rPr lang="en-US" smtClean="0"/>
-              <a:t>6/29/2021</a:t>
+              <a:t>7/25/2021</a:t>
             </a:fld>
             <a:endParaRPr lang="en-US"/>
           </a:p>
@@ -867,13 +771,7 @@
       </p:sp>
       <p:sp>
         <p:nvSpPr>
-          <p:cNvPr id="5" name="Footer Placeholder 4">
-            <a:extLst>
-              <a:ext uri="{FF2B5EF4-FFF2-40B4-BE49-F238E27FC236}">
-                <a16:creationId xmlns:a16="http://schemas.microsoft.com/office/drawing/2014/main" id="{7A09C69C-DD7E-40FD-8591-5DF8311EC439}"/>
-              </a:ext>
-            </a:extLst>
-          </p:cNvPr>
+          <p:cNvPr id="5" name="Footer Placeholder 4"/>
           <p:cNvSpPr>
             <a:spLocks noGrp="1"/>
           </p:cNvSpPr>
@@ -892,13 +790,7 @@
       </p:sp>
       <p:sp>
         <p:nvSpPr>
-          <p:cNvPr id="6" name="Slide Number Placeholder 5">
-            <a:extLst>
-              <a:ext uri="{FF2B5EF4-FFF2-40B4-BE49-F238E27FC236}">
-                <a16:creationId xmlns:a16="http://schemas.microsoft.com/office/drawing/2014/main" id="{99C5BFF4-078A-4D36-BE3C-67A088C2E09B}"/>
-              </a:ext>
-            </a:extLst>
-          </p:cNvPr>
+          <p:cNvPr id="6" name="Slide Number Placeholder 5"/>
           <p:cNvSpPr>
             <a:spLocks noGrp="1"/>
           </p:cNvSpPr>
@@ -922,7 +814,7 @@
     </p:spTree>
     <p:extLst>
       <p:ext uri="{BB962C8B-B14F-4D97-AF65-F5344CB8AC3E}">
-        <p14:creationId xmlns:p14="http://schemas.microsoft.com/office/powerpoint/2010/main" val="403569435"/>
+        <p14:creationId xmlns:p14="http://schemas.microsoft.com/office/powerpoint/2010/main" val="1095136514"/>
       </p:ext>
     </p:extLst>
   </p:cSld>
@@ -951,13 +843,7 @@
       </p:grpSpPr>
       <p:sp>
         <p:nvSpPr>
-          <p:cNvPr id="2" name="Title 1">
-            <a:extLst>
-              <a:ext uri="{FF2B5EF4-FFF2-40B4-BE49-F238E27FC236}">
-                <a16:creationId xmlns:a16="http://schemas.microsoft.com/office/drawing/2014/main" id="{3AAADA54-E4CE-4F01-81CB-F539A1F7A37D}"/>
-              </a:ext>
-            </a:extLst>
-          </p:cNvPr>
+          <p:cNvPr id="2" name="Title 1"/>
           <p:cNvSpPr>
             <a:spLocks noGrp="1"/>
           </p:cNvSpPr>
@@ -967,15 +853,15 @@
         </p:nvSpPr>
         <p:spPr>
           <a:xfrm>
-            <a:off x="831850" y="1709738"/>
-            <a:ext cx="10515600" cy="2852737"/>
+            <a:off x="831851" y="2279653"/>
+            <a:ext cx="10515600" cy="3803649"/>
           </a:xfrm>
         </p:spPr>
         <p:txBody>
           <a:bodyPr anchor="b"/>
           <a:lstStyle>
             <a:lvl1pPr>
-              <a:defRPr sz="6000"/>
+              <a:defRPr sz="8000"/>
             </a:lvl1pPr>
           </a:lstStyle>
           <a:p>
@@ -983,18 +869,13 @@
               <a:rPr lang="en-US"/>
               <a:t>Click to edit Master title style</a:t>
             </a:r>
-          </a:p>
-        </p:txBody>
-      </p:sp>
-      <p:sp>
-        <p:nvSpPr>
-          <p:cNvPr id="3" name="Text Placeholder 2">
-            <a:extLst>
-              <a:ext uri="{FF2B5EF4-FFF2-40B4-BE49-F238E27FC236}">
-                <a16:creationId xmlns:a16="http://schemas.microsoft.com/office/drawing/2014/main" id="{A94311CC-9C8B-411B-93DF-4EACB54F5016}"/>
-              </a:ext>
-            </a:extLst>
-          </p:cNvPr>
+            <a:endParaRPr lang="en-US" dirty="0"/>
+          </a:p>
+        </p:txBody>
+      </p:sp>
+      <p:sp>
+        <p:nvSpPr>
+          <p:cNvPr id="3" name="Text Placeholder 2"/>
           <p:cNvSpPr>
             <a:spLocks noGrp="1"/>
           </p:cNvSpPr>
@@ -1004,14 +885,32 @@
         </p:nvSpPr>
         <p:spPr>
           <a:xfrm>
-            <a:off x="831850" y="4589463"/>
-            <a:ext cx="10515600" cy="1500187"/>
+            <a:off x="831851" y="6119286"/>
+            <a:ext cx="10515600" cy="2000249"/>
           </a:xfrm>
         </p:spPr>
         <p:txBody>
           <a:bodyPr/>
           <a:lstStyle>
             <a:lvl1pPr marL="0" indent="0">
+              <a:buNone/>
+              <a:defRPr sz="3200">
+                <a:solidFill>
+                  <a:schemeClr val="tx1"/>
+                </a:solidFill>
+              </a:defRPr>
+            </a:lvl1pPr>
+            <a:lvl2pPr marL="609585" indent="0">
+              <a:buNone/>
+              <a:defRPr sz="2667">
+                <a:solidFill>
+                  <a:schemeClr val="tx1">
+                    <a:tint val="75000"/>
+                  </a:schemeClr>
+                </a:solidFill>
+              </a:defRPr>
+            </a:lvl2pPr>
+            <a:lvl3pPr marL="1219170" indent="0">
               <a:buNone/>
               <a:defRPr sz="2400">
                 <a:solidFill>
@@ -1020,30 +919,10 @@
                   </a:schemeClr>
                 </a:solidFill>
               </a:defRPr>
-            </a:lvl1pPr>
-            <a:lvl2pPr marL="457200" indent="0">
-              <a:buNone/>
-              <a:defRPr sz="2000">
-                <a:solidFill>
-                  <a:schemeClr val="tx1">
-                    <a:tint val="75000"/>
-                  </a:schemeClr>
-                </a:solidFill>
-              </a:defRPr>
-            </a:lvl2pPr>
-            <a:lvl3pPr marL="914400" indent="0">
-              <a:buNone/>
-              <a:defRPr sz="1800">
-                <a:solidFill>
-                  <a:schemeClr val="tx1">
-                    <a:tint val="75000"/>
-                  </a:schemeClr>
-                </a:solidFill>
-              </a:defRPr>
             </a:lvl3pPr>
-            <a:lvl4pPr marL="1371600" indent="0">
-              <a:buNone/>
-              <a:defRPr sz="1600">
+            <a:lvl4pPr marL="1828754" indent="0">
+              <a:buNone/>
+              <a:defRPr sz="2133">
                 <a:solidFill>
                   <a:schemeClr val="tx1">
                     <a:tint val="75000"/>
@@ -1051,9 +930,9 @@
                 </a:solidFill>
               </a:defRPr>
             </a:lvl4pPr>
-            <a:lvl5pPr marL="1828800" indent="0">
-              <a:buNone/>
-              <a:defRPr sz="1600">
+            <a:lvl5pPr marL="2438339" indent="0">
+              <a:buNone/>
+              <a:defRPr sz="2133">
                 <a:solidFill>
                   <a:schemeClr val="tx1">
                     <a:tint val="75000"/>
@@ -1061,9 +940,9 @@
                 </a:solidFill>
               </a:defRPr>
             </a:lvl5pPr>
-            <a:lvl6pPr marL="2286000" indent="0">
-              <a:buNone/>
-              <a:defRPr sz="1600">
+            <a:lvl6pPr marL="3047924" indent="0">
+              <a:buNone/>
+              <a:defRPr sz="2133">
                 <a:solidFill>
                   <a:schemeClr val="tx1">
                     <a:tint val="75000"/>
@@ -1071,9 +950,9 @@
                 </a:solidFill>
               </a:defRPr>
             </a:lvl6pPr>
-            <a:lvl7pPr marL="2743200" indent="0">
-              <a:buNone/>
-              <a:defRPr sz="1600">
+            <a:lvl7pPr marL="3657509" indent="0">
+              <a:buNone/>
+              <a:defRPr sz="2133">
                 <a:solidFill>
                   <a:schemeClr val="tx1">
                     <a:tint val="75000"/>
@@ -1081,9 +960,9 @@
                 </a:solidFill>
               </a:defRPr>
             </a:lvl7pPr>
-            <a:lvl8pPr marL="3200400" indent="0">
-              <a:buNone/>
-              <a:defRPr sz="1600">
+            <a:lvl8pPr marL="4267093" indent="0">
+              <a:buNone/>
+              <a:defRPr sz="2133">
                 <a:solidFill>
                   <a:schemeClr val="tx1">
                     <a:tint val="75000"/>
@@ -1091,9 +970,9 @@
                 </a:solidFill>
               </a:defRPr>
             </a:lvl8pPr>
-            <a:lvl9pPr marL="3657600" indent="0">
-              <a:buNone/>
-              <a:defRPr sz="1600">
+            <a:lvl9pPr marL="4876678" indent="0">
+              <a:buNone/>
+              <a:defRPr sz="2133">
                 <a:solidFill>
                   <a:schemeClr val="tx1">
                     <a:tint val="75000"/>
@@ -1113,13 +992,7 @@
       </p:sp>
       <p:sp>
         <p:nvSpPr>
-          <p:cNvPr id="4" name="Date Placeholder 3">
-            <a:extLst>
-              <a:ext uri="{FF2B5EF4-FFF2-40B4-BE49-F238E27FC236}">
-                <a16:creationId xmlns:a16="http://schemas.microsoft.com/office/drawing/2014/main" id="{50147BFA-DE59-4D77-A91E-12E598D2BC73}"/>
-              </a:ext>
-            </a:extLst>
-          </p:cNvPr>
+          <p:cNvPr id="4" name="Date Placeholder 3"/>
           <p:cNvSpPr>
             <a:spLocks noGrp="1"/>
           </p:cNvSpPr>
@@ -1134,7 +1007,7 @@
           <a:p>
             <a:fld id="{DCEEB128-1E65-4641-87B1-44A3FA06E850}" type="datetimeFigureOut">
               <a:rPr lang="en-US" smtClean="0"/>
-              <a:t>6/29/2021</a:t>
+              <a:t>7/25/2021</a:t>
             </a:fld>
             <a:endParaRPr lang="en-US"/>
           </a:p>
@@ -1142,13 +1015,7 @@
       </p:sp>
       <p:sp>
         <p:nvSpPr>
-          <p:cNvPr id="5" name="Footer Placeholder 4">
-            <a:extLst>
-              <a:ext uri="{FF2B5EF4-FFF2-40B4-BE49-F238E27FC236}">
-                <a16:creationId xmlns:a16="http://schemas.microsoft.com/office/drawing/2014/main" id="{C03BCA96-B825-456E-ABFF-425EADDDF51C}"/>
-              </a:ext>
-            </a:extLst>
-          </p:cNvPr>
+          <p:cNvPr id="5" name="Footer Placeholder 4"/>
           <p:cNvSpPr>
             <a:spLocks noGrp="1"/>
           </p:cNvSpPr>
@@ -1167,13 +1034,7 @@
       </p:sp>
       <p:sp>
         <p:nvSpPr>
-          <p:cNvPr id="6" name="Slide Number Placeholder 5">
-            <a:extLst>
-              <a:ext uri="{FF2B5EF4-FFF2-40B4-BE49-F238E27FC236}">
-                <a16:creationId xmlns:a16="http://schemas.microsoft.com/office/drawing/2014/main" id="{91054105-8CFE-4639-8973-25907059C2F0}"/>
-              </a:ext>
-            </a:extLst>
-          </p:cNvPr>
+          <p:cNvPr id="6" name="Slide Number Placeholder 5"/>
           <p:cNvSpPr>
             <a:spLocks noGrp="1"/>
           </p:cNvSpPr>
@@ -1197,7 +1058,7 @@
     </p:spTree>
     <p:extLst>
       <p:ext uri="{BB962C8B-B14F-4D97-AF65-F5344CB8AC3E}">
-        <p14:creationId xmlns:p14="http://schemas.microsoft.com/office/powerpoint/2010/main" val="2401713890"/>
+        <p14:creationId xmlns:p14="http://schemas.microsoft.com/office/powerpoint/2010/main" val="399978011"/>
       </p:ext>
     </p:extLst>
   </p:cSld>
@@ -1226,13 +1087,7 @@
       </p:grpSpPr>
       <p:sp>
         <p:nvSpPr>
-          <p:cNvPr id="2" name="Title 1">
-            <a:extLst>
-              <a:ext uri="{FF2B5EF4-FFF2-40B4-BE49-F238E27FC236}">
-                <a16:creationId xmlns:a16="http://schemas.microsoft.com/office/drawing/2014/main" id="{25F308BC-C976-4659-B0F1-49131D1AA165}"/>
-              </a:ext>
-            </a:extLst>
-          </p:cNvPr>
+          <p:cNvPr id="2" name="Title 1"/>
           <p:cNvSpPr>
             <a:spLocks noGrp="1"/>
           </p:cNvSpPr>
@@ -1249,18 +1104,13 @@
               <a:rPr lang="en-US"/>
               <a:t>Click to edit Master title style</a:t>
             </a:r>
-          </a:p>
-        </p:txBody>
-      </p:sp>
-      <p:sp>
-        <p:nvSpPr>
-          <p:cNvPr id="3" name="Content Placeholder 2">
-            <a:extLst>
-              <a:ext uri="{FF2B5EF4-FFF2-40B4-BE49-F238E27FC236}">
-                <a16:creationId xmlns:a16="http://schemas.microsoft.com/office/drawing/2014/main" id="{B1FACB34-2EBC-4D02-A31E-D059E7A63F25}"/>
-              </a:ext>
-            </a:extLst>
-          </p:cNvPr>
+            <a:endParaRPr lang="en-US" dirty="0"/>
+          </a:p>
+        </p:txBody>
+      </p:sp>
+      <p:sp>
+        <p:nvSpPr>
+          <p:cNvPr id="3" name="Content Placeholder 2"/>
           <p:cNvSpPr>
             <a:spLocks noGrp="1"/>
           </p:cNvSpPr>
@@ -1270,8 +1120,8 @@
         </p:nvSpPr>
         <p:spPr>
           <a:xfrm>
-            <a:off x="838200" y="1825625"/>
-            <a:ext cx="5181600" cy="4351338"/>
+            <a:off x="838200" y="2434167"/>
+            <a:ext cx="5181600" cy="5801784"/>
           </a:xfrm>
         </p:spPr>
         <p:txBody>
@@ -1311,18 +1161,13 @@
               <a:rPr lang="en-US"/>
               <a:t>Fifth level</a:t>
             </a:r>
-          </a:p>
-        </p:txBody>
-      </p:sp>
-      <p:sp>
-        <p:nvSpPr>
-          <p:cNvPr id="4" name="Content Placeholder 3">
-            <a:extLst>
-              <a:ext uri="{FF2B5EF4-FFF2-40B4-BE49-F238E27FC236}">
-                <a16:creationId xmlns:a16="http://schemas.microsoft.com/office/drawing/2014/main" id="{BAEDA78D-F522-41F2-9925-EFC981071830}"/>
-              </a:ext>
-            </a:extLst>
-          </p:cNvPr>
+            <a:endParaRPr lang="en-US" dirty="0"/>
+          </a:p>
+        </p:txBody>
+      </p:sp>
+      <p:sp>
+        <p:nvSpPr>
+          <p:cNvPr id="4" name="Content Placeholder 3"/>
           <p:cNvSpPr>
             <a:spLocks noGrp="1"/>
           </p:cNvSpPr>
@@ -1332,8 +1177,8 @@
         </p:nvSpPr>
         <p:spPr>
           <a:xfrm>
-            <a:off x="6172200" y="1825625"/>
-            <a:ext cx="5181600" cy="4351338"/>
+            <a:off x="6172200" y="2434167"/>
+            <a:ext cx="5181600" cy="5801784"/>
           </a:xfrm>
         </p:spPr>
         <p:txBody>
@@ -1373,18 +1218,13 @@
               <a:rPr lang="en-US"/>
               <a:t>Fifth level</a:t>
             </a:r>
-          </a:p>
-        </p:txBody>
-      </p:sp>
-      <p:sp>
-        <p:nvSpPr>
-          <p:cNvPr id="5" name="Date Placeholder 4">
-            <a:extLst>
-              <a:ext uri="{FF2B5EF4-FFF2-40B4-BE49-F238E27FC236}">
-                <a16:creationId xmlns:a16="http://schemas.microsoft.com/office/drawing/2014/main" id="{4FFBB9B9-C85C-4FA9-917A-139DE033A6C1}"/>
-              </a:ext>
-            </a:extLst>
-          </p:cNvPr>
+            <a:endParaRPr lang="en-US" dirty="0"/>
+          </a:p>
+        </p:txBody>
+      </p:sp>
+      <p:sp>
+        <p:nvSpPr>
+          <p:cNvPr id="5" name="Date Placeholder 4"/>
           <p:cNvSpPr>
             <a:spLocks noGrp="1"/>
           </p:cNvSpPr>
@@ -1399,7 +1239,7 @@
           <a:p>
             <a:fld id="{DCEEB128-1E65-4641-87B1-44A3FA06E850}" type="datetimeFigureOut">
               <a:rPr lang="en-US" smtClean="0"/>
-              <a:t>6/29/2021</a:t>
+              <a:t>7/25/2021</a:t>
             </a:fld>
             <a:endParaRPr lang="en-US"/>
           </a:p>
@@ -1407,13 +1247,7 @@
       </p:sp>
       <p:sp>
         <p:nvSpPr>
-          <p:cNvPr id="6" name="Footer Placeholder 5">
-            <a:extLst>
-              <a:ext uri="{FF2B5EF4-FFF2-40B4-BE49-F238E27FC236}">
-                <a16:creationId xmlns:a16="http://schemas.microsoft.com/office/drawing/2014/main" id="{B05EF0CD-4DC2-46E7-8A25-B3DE809D879D}"/>
-              </a:ext>
-            </a:extLst>
-          </p:cNvPr>
+          <p:cNvPr id="6" name="Footer Placeholder 5"/>
           <p:cNvSpPr>
             <a:spLocks noGrp="1"/>
           </p:cNvSpPr>
@@ -1432,13 +1266,7 @@
       </p:sp>
       <p:sp>
         <p:nvSpPr>
-          <p:cNvPr id="7" name="Slide Number Placeholder 6">
-            <a:extLst>
-              <a:ext uri="{FF2B5EF4-FFF2-40B4-BE49-F238E27FC236}">
-                <a16:creationId xmlns:a16="http://schemas.microsoft.com/office/drawing/2014/main" id="{D5AFC264-10C8-4F58-9265-A009701B554F}"/>
-              </a:ext>
-            </a:extLst>
-          </p:cNvPr>
+          <p:cNvPr id="7" name="Slide Number Placeholder 6"/>
           <p:cNvSpPr>
             <a:spLocks noGrp="1"/>
           </p:cNvSpPr>
@@ -1462,7 +1290,7 @@
     </p:spTree>
     <p:extLst>
       <p:ext uri="{BB962C8B-B14F-4D97-AF65-F5344CB8AC3E}">
-        <p14:creationId xmlns:p14="http://schemas.microsoft.com/office/powerpoint/2010/main" val="2191315949"/>
+        <p14:creationId xmlns:p14="http://schemas.microsoft.com/office/powerpoint/2010/main" val="3336413232"/>
       </p:ext>
     </p:extLst>
   </p:cSld>
@@ -1491,13 +1319,7 @@
       </p:grpSpPr>
       <p:sp>
         <p:nvSpPr>
-          <p:cNvPr id="2" name="Title 1">
-            <a:extLst>
-              <a:ext uri="{FF2B5EF4-FFF2-40B4-BE49-F238E27FC236}">
-                <a16:creationId xmlns:a16="http://schemas.microsoft.com/office/drawing/2014/main" id="{920E8680-B4D6-4C14-826A-8DC6860F63A6}"/>
-              </a:ext>
-            </a:extLst>
-          </p:cNvPr>
+          <p:cNvPr id="2" name="Title 1"/>
           <p:cNvSpPr>
             <a:spLocks noGrp="1"/>
           </p:cNvSpPr>
@@ -1507,8 +1329,8 @@
         </p:nvSpPr>
         <p:spPr>
           <a:xfrm>
-            <a:off x="839788" y="365125"/>
-            <a:ext cx="10515600" cy="1325563"/>
+            <a:off x="839788" y="486836"/>
+            <a:ext cx="10515600" cy="1767417"/>
           </a:xfrm>
         </p:spPr>
         <p:txBody>
@@ -1519,18 +1341,13 @@
               <a:rPr lang="en-US"/>
               <a:t>Click to edit Master title style</a:t>
             </a:r>
-          </a:p>
-        </p:txBody>
-      </p:sp>
-      <p:sp>
-        <p:nvSpPr>
-          <p:cNvPr id="3" name="Text Placeholder 2">
-            <a:extLst>
-              <a:ext uri="{FF2B5EF4-FFF2-40B4-BE49-F238E27FC236}">
-                <a16:creationId xmlns:a16="http://schemas.microsoft.com/office/drawing/2014/main" id="{428CE4EA-A51D-4A38-B0D5-8BB224C2ACA6}"/>
-              </a:ext>
-            </a:extLst>
-          </p:cNvPr>
+            <a:endParaRPr lang="en-US" dirty="0"/>
+          </a:p>
+        </p:txBody>
+      </p:sp>
+      <p:sp>
+        <p:nvSpPr>
+          <p:cNvPr id="3" name="Text Placeholder 2"/>
           <p:cNvSpPr>
             <a:spLocks noGrp="1"/>
           </p:cNvSpPr>
@@ -1540,8 +1357,8 @@
         </p:nvSpPr>
         <p:spPr>
           <a:xfrm>
-            <a:off x="839788" y="1681163"/>
-            <a:ext cx="5157787" cy="823912"/>
+            <a:off x="839789" y="2241551"/>
+            <a:ext cx="5157787" cy="1098549"/>
           </a:xfrm>
         </p:spPr>
         <p:txBody>
@@ -1549,39 +1366,39 @@
           <a:lstStyle>
             <a:lvl1pPr marL="0" indent="0">
               <a:buNone/>
+              <a:defRPr sz="3200" b="1"/>
+            </a:lvl1pPr>
+            <a:lvl2pPr marL="609585" indent="0">
+              <a:buNone/>
+              <a:defRPr sz="2667" b="1"/>
+            </a:lvl2pPr>
+            <a:lvl3pPr marL="1219170" indent="0">
+              <a:buNone/>
               <a:defRPr sz="2400" b="1"/>
-            </a:lvl1pPr>
-            <a:lvl2pPr marL="457200" indent="0">
-              <a:buNone/>
-              <a:defRPr sz="2000" b="1"/>
-            </a:lvl2pPr>
-            <a:lvl3pPr marL="914400" indent="0">
-              <a:buNone/>
-              <a:defRPr sz="1800" b="1"/>
             </a:lvl3pPr>
-            <a:lvl4pPr marL="1371600" indent="0">
-              <a:buNone/>
-              <a:defRPr sz="1600" b="1"/>
+            <a:lvl4pPr marL="1828754" indent="0">
+              <a:buNone/>
+              <a:defRPr sz="2133" b="1"/>
             </a:lvl4pPr>
-            <a:lvl5pPr marL="1828800" indent="0">
-              <a:buNone/>
-              <a:defRPr sz="1600" b="1"/>
+            <a:lvl5pPr marL="2438339" indent="0">
+              <a:buNone/>
+              <a:defRPr sz="2133" b="1"/>
             </a:lvl5pPr>
-            <a:lvl6pPr marL="2286000" indent="0">
-              <a:buNone/>
-              <a:defRPr sz="1600" b="1"/>
+            <a:lvl6pPr marL="3047924" indent="0">
+              <a:buNone/>
+              <a:defRPr sz="2133" b="1"/>
             </a:lvl6pPr>
-            <a:lvl7pPr marL="2743200" indent="0">
-              <a:buNone/>
-              <a:defRPr sz="1600" b="1"/>
+            <a:lvl7pPr marL="3657509" indent="0">
+              <a:buNone/>
+              <a:defRPr sz="2133" b="1"/>
             </a:lvl7pPr>
-            <a:lvl8pPr marL="3200400" indent="0">
-              <a:buNone/>
-              <a:defRPr sz="1600" b="1"/>
+            <a:lvl8pPr marL="4267093" indent="0">
+              <a:buNone/>
+              <a:defRPr sz="2133" b="1"/>
             </a:lvl8pPr>
-            <a:lvl9pPr marL="3657600" indent="0">
-              <a:buNone/>
-              <a:defRPr sz="1600" b="1"/>
+            <a:lvl9pPr marL="4876678" indent="0">
+              <a:buNone/>
+              <a:defRPr sz="2133" b="1"/>
             </a:lvl9pPr>
           </a:lstStyle>
           <a:p>
@@ -1595,13 +1412,7 @@
       </p:sp>
       <p:sp>
         <p:nvSpPr>
-          <p:cNvPr id="4" name="Content Placeholder 3">
-            <a:extLst>
-              <a:ext uri="{FF2B5EF4-FFF2-40B4-BE49-F238E27FC236}">
-                <a16:creationId xmlns:a16="http://schemas.microsoft.com/office/drawing/2014/main" id="{0846D67B-B4B8-48A5-89A9-3B7397736A18}"/>
-              </a:ext>
-            </a:extLst>
-          </p:cNvPr>
+          <p:cNvPr id="4" name="Content Placeholder 3"/>
           <p:cNvSpPr>
             <a:spLocks noGrp="1"/>
           </p:cNvSpPr>
@@ -1611,8 +1422,8 @@
         </p:nvSpPr>
         <p:spPr>
           <a:xfrm>
-            <a:off x="839788" y="2505075"/>
-            <a:ext cx="5157787" cy="3684588"/>
+            <a:off x="839789" y="3340100"/>
+            <a:ext cx="5157787" cy="4912784"/>
           </a:xfrm>
         </p:spPr>
         <p:txBody>
@@ -1652,18 +1463,13 @@
               <a:rPr lang="en-US"/>
               <a:t>Fifth level</a:t>
             </a:r>
-          </a:p>
-        </p:txBody>
-      </p:sp>
-      <p:sp>
-        <p:nvSpPr>
-          <p:cNvPr id="5" name="Text Placeholder 4">
-            <a:extLst>
-              <a:ext uri="{FF2B5EF4-FFF2-40B4-BE49-F238E27FC236}">
-                <a16:creationId xmlns:a16="http://schemas.microsoft.com/office/drawing/2014/main" id="{3055956C-AB87-460F-A18F-A2641E41F468}"/>
-              </a:ext>
-            </a:extLst>
-          </p:cNvPr>
+            <a:endParaRPr lang="en-US" dirty="0"/>
+          </a:p>
+        </p:txBody>
+      </p:sp>
+      <p:sp>
+        <p:nvSpPr>
+          <p:cNvPr id="5" name="Text Placeholder 4"/>
           <p:cNvSpPr>
             <a:spLocks noGrp="1"/>
           </p:cNvSpPr>
@@ -1673,8 +1479,8 @@
         </p:nvSpPr>
         <p:spPr>
           <a:xfrm>
-            <a:off x="6172200" y="1681163"/>
-            <a:ext cx="5183188" cy="823912"/>
+            <a:off x="6172201" y="2241551"/>
+            <a:ext cx="5183188" cy="1098549"/>
           </a:xfrm>
         </p:spPr>
         <p:txBody>
@@ -1682,39 +1488,39 @@
           <a:lstStyle>
             <a:lvl1pPr marL="0" indent="0">
               <a:buNone/>
+              <a:defRPr sz="3200" b="1"/>
+            </a:lvl1pPr>
+            <a:lvl2pPr marL="609585" indent="0">
+              <a:buNone/>
+              <a:defRPr sz="2667" b="1"/>
+            </a:lvl2pPr>
+            <a:lvl3pPr marL="1219170" indent="0">
+              <a:buNone/>
               <a:defRPr sz="2400" b="1"/>
-            </a:lvl1pPr>
-            <a:lvl2pPr marL="457200" indent="0">
-              <a:buNone/>
-              <a:defRPr sz="2000" b="1"/>
-            </a:lvl2pPr>
-            <a:lvl3pPr marL="914400" indent="0">
-              <a:buNone/>
-              <a:defRPr sz="1800" b="1"/>
             </a:lvl3pPr>
-            <a:lvl4pPr marL="1371600" indent="0">
-              <a:buNone/>
-              <a:defRPr sz="1600" b="1"/>
+            <a:lvl4pPr marL="1828754" indent="0">
+              <a:buNone/>
+              <a:defRPr sz="2133" b="1"/>
             </a:lvl4pPr>
-            <a:lvl5pPr marL="1828800" indent="0">
-              <a:buNone/>
-              <a:defRPr sz="1600" b="1"/>
+            <a:lvl5pPr marL="2438339" indent="0">
+              <a:buNone/>
+              <a:defRPr sz="2133" b="1"/>
             </a:lvl5pPr>
-            <a:lvl6pPr marL="2286000" indent="0">
-              <a:buNone/>
-              <a:defRPr sz="1600" b="1"/>
+            <a:lvl6pPr marL="3047924" indent="0">
+              <a:buNone/>
+              <a:defRPr sz="2133" b="1"/>
             </a:lvl6pPr>
-            <a:lvl7pPr marL="2743200" indent="0">
-              <a:buNone/>
-              <a:defRPr sz="1600" b="1"/>
+            <a:lvl7pPr marL="3657509" indent="0">
+              <a:buNone/>
+              <a:defRPr sz="2133" b="1"/>
             </a:lvl7pPr>
-            <a:lvl8pPr marL="3200400" indent="0">
-              <a:buNone/>
-              <a:defRPr sz="1600" b="1"/>
+            <a:lvl8pPr marL="4267093" indent="0">
+              <a:buNone/>
+              <a:defRPr sz="2133" b="1"/>
             </a:lvl8pPr>
-            <a:lvl9pPr marL="3657600" indent="0">
-              <a:buNone/>
-              <a:defRPr sz="1600" b="1"/>
+            <a:lvl9pPr marL="4876678" indent="0">
+              <a:buNone/>
+              <a:defRPr sz="2133" b="1"/>
             </a:lvl9pPr>
           </a:lstStyle>
           <a:p>
@@ -1728,13 +1534,7 @@
       </p:sp>
       <p:sp>
         <p:nvSpPr>
-          <p:cNvPr id="6" name="Content Placeholder 5">
-            <a:extLst>
-              <a:ext uri="{FF2B5EF4-FFF2-40B4-BE49-F238E27FC236}">
-                <a16:creationId xmlns:a16="http://schemas.microsoft.com/office/drawing/2014/main" id="{11E3F8FC-A432-4EB9-BF36-8D4BEE77134C}"/>
-              </a:ext>
-            </a:extLst>
-          </p:cNvPr>
+          <p:cNvPr id="6" name="Content Placeholder 5"/>
           <p:cNvSpPr>
             <a:spLocks noGrp="1"/>
           </p:cNvSpPr>
@@ -1744,8 +1544,8 @@
         </p:nvSpPr>
         <p:spPr>
           <a:xfrm>
-            <a:off x="6172200" y="2505075"/>
-            <a:ext cx="5183188" cy="3684588"/>
+            <a:off x="6172201" y="3340100"/>
+            <a:ext cx="5183188" cy="4912784"/>
           </a:xfrm>
         </p:spPr>
         <p:txBody>
@@ -1785,18 +1585,13 @@
               <a:rPr lang="en-US"/>
               <a:t>Fifth level</a:t>
             </a:r>
-          </a:p>
-        </p:txBody>
-      </p:sp>
-      <p:sp>
-        <p:nvSpPr>
-          <p:cNvPr id="7" name="Date Placeholder 6">
-            <a:extLst>
-              <a:ext uri="{FF2B5EF4-FFF2-40B4-BE49-F238E27FC236}">
-                <a16:creationId xmlns:a16="http://schemas.microsoft.com/office/drawing/2014/main" id="{3FB72D29-F1BC-43A9-B060-9F14C4F77ED0}"/>
-              </a:ext>
-            </a:extLst>
-          </p:cNvPr>
+            <a:endParaRPr lang="en-US" dirty="0"/>
+          </a:p>
+        </p:txBody>
+      </p:sp>
+      <p:sp>
+        <p:nvSpPr>
+          <p:cNvPr id="7" name="Date Placeholder 6"/>
           <p:cNvSpPr>
             <a:spLocks noGrp="1"/>
           </p:cNvSpPr>
@@ -1811,7 +1606,7 @@
           <a:p>
             <a:fld id="{DCEEB128-1E65-4641-87B1-44A3FA06E850}" type="datetimeFigureOut">
               <a:rPr lang="en-US" smtClean="0"/>
-              <a:t>6/29/2021</a:t>
+              <a:t>7/25/2021</a:t>
             </a:fld>
             <a:endParaRPr lang="en-US"/>
           </a:p>
@@ -1819,13 +1614,7 @@
       </p:sp>
       <p:sp>
         <p:nvSpPr>
-          <p:cNvPr id="8" name="Footer Placeholder 7">
-            <a:extLst>
-              <a:ext uri="{FF2B5EF4-FFF2-40B4-BE49-F238E27FC236}">
-                <a16:creationId xmlns:a16="http://schemas.microsoft.com/office/drawing/2014/main" id="{BA0EAA1A-2A46-425C-87F1-728C3C92A5E6}"/>
-              </a:ext>
-            </a:extLst>
-          </p:cNvPr>
+          <p:cNvPr id="8" name="Footer Placeholder 7"/>
           <p:cNvSpPr>
             <a:spLocks noGrp="1"/>
           </p:cNvSpPr>
@@ -1844,13 +1633,7 @@
       </p:sp>
       <p:sp>
         <p:nvSpPr>
-          <p:cNvPr id="9" name="Slide Number Placeholder 8">
-            <a:extLst>
-              <a:ext uri="{FF2B5EF4-FFF2-40B4-BE49-F238E27FC236}">
-                <a16:creationId xmlns:a16="http://schemas.microsoft.com/office/drawing/2014/main" id="{1A6DBF88-0646-44A0-97A8-5E2608DFF774}"/>
-              </a:ext>
-            </a:extLst>
-          </p:cNvPr>
+          <p:cNvPr id="9" name="Slide Number Placeholder 8"/>
           <p:cNvSpPr>
             <a:spLocks noGrp="1"/>
           </p:cNvSpPr>
@@ -1874,7 +1657,7 @@
     </p:spTree>
     <p:extLst>
       <p:ext uri="{BB962C8B-B14F-4D97-AF65-F5344CB8AC3E}">
-        <p14:creationId xmlns:p14="http://schemas.microsoft.com/office/powerpoint/2010/main" val="3533968187"/>
+        <p14:creationId xmlns:p14="http://schemas.microsoft.com/office/powerpoint/2010/main" val="527451919"/>
       </p:ext>
     </p:extLst>
   </p:cSld>
@@ -1903,13 +1686,7 @@
       </p:grpSpPr>
       <p:sp>
         <p:nvSpPr>
-          <p:cNvPr id="2" name="Title 1">
-            <a:extLst>
-              <a:ext uri="{FF2B5EF4-FFF2-40B4-BE49-F238E27FC236}">
-                <a16:creationId xmlns:a16="http://schemas.microsoft.com/office/drawing/2014/main" id="{4A415991-9CB1-4115-B28A-C77856B67464}"/>
-              </a:ext>
-            </a:extLst>
-          </p:cNvPr>
+          <p:cNvPr id="2" name="Title 1"/>
           <p:cNvSpPr>
             <a:spLocks noGrp="1"/>
           </p:cNvSpPr>
@@ -1926,18 +1703,13 @@
               <a:rPr lang="en-US"/>
               <a:t>Click to edit Master title style</a:t>
             </a:r>
-          </a:p>
-        </p:txBody>
-      </p:sp>
-      <p:sp>
-        <p:nvSpPr>
-          <p:cNvPr id="3" name="Date Placeholder 2">
-            <a:extLst>
-              <a:ext uri="{FF2B5EF4-FFF2-40B4-BE49-F238E27FC236}">
-                <a16:creationId xmlns:a16="http://schemas.microsoft.com/office/drawing/2014/main" id="{9F1C1CB2-EC1D-4F21-96AC-BE56DE16EEB3}"/>
-              </a:ext>
-            </a:extLst>
-          </p:cNvPr>
+            <a:endParaRPr lang="en-US" dirty="0"/>
+          </a:p>
+        </p:txBody>
+      </p:sp>
+      <p:sp>
+        <p:nvSpPr>
+          <p:cNvPr id="3" name="Date Placeholder 2"/>
           <p:cNvSpPr>
             <a:spLocks noGrp="1"/>
           </p:cNvSpPr>
@@ -1952,7 +1724,7 @@
           <a:p>
             <a:fld id="{DCEEB128-1E65-4641-87B1-44A3FA06E850}" type="datetimeFigureOut">
               <a:rPr lang="en-US" smtClean="0"/>
-              <a:t>6/29/2021</a:t>
+              <a:t>7/25/2021</a:t>
             </a:fld>
             <a:endParaRPr lang="en-US"/>
           </a:p>
@@ -1960,13 +1732,7 @@
       </p:sp>
       <p:sp>
         <p:nvSpPr>
-          <p:cNvPr id="4" name="Footer Placeholder 3">
-            <a:extLst>
-              <a:ext uri="{FF2B5EF4-FFF2-40B4-BE49-F238E27FC236}">
-                <a16:creationId xmlns:a16="http://schemas.microsoft.com/office/drawing/2014/main" id="{72764FCB-A872-4919-A4E8-E8B93FDF143C}"/>
-              </a:ext>
-            </a:extLst>
-          </p:cNvPr>
+          <p:cNvPr id="4" name="Footer Placeholder 3"/>
           <p:cNvSpPr>
             <a:spLocks noGrp="1"/>
           </p:cNvSpPr>
@@ -1985,13 +1751,7 @@
       </p:sp>
       <p:sp>
         <p:nvSpPr>
-          <p:cNvPr id="5" name="Slide Number Placeholder 4">
-            <a:extLst>
-              <a:ext uri="{FF2B5EF4-FFF2-40B4-BE49-F238E27FC236}">
-                <a16:creationId xmlns:a16="http://schemas.microsoft.com/office/drawing/2014/main" id="{55F13E21-6D88-4950-97E3-A106EC3A0CF2}"/>
-              </a:ext>
-            </a:extLst>
-          </p:cNvPr>
+          <p:cNvPr id="5" name="Slide Number Placeholder 4"/>
           <p:cNvSpPr>
             <a:spLocks noGrp="1"/>
           </p:cNvSpPr>
@@ -2015,7 +1775,7 @@
     </p:spTree>
     <p:extLst>
       <p:ext uri="{BB962C8B-B14F-4D97-AF65-F5344CB8AC3E}">
-        <p14:creationId xmlns:p14="http://schemas.microsoft.com/office/powerpoint/2010/main" val="2251172302"/>
+        <p14:creationId xmlns:p14="http://schemas.microsoft.com/office/powerpoint/2010/main" val="1045511511"/>
       </p:ext>
     </p:extLst>
   </p:cSld>
@@ -2044,13 +1804,7 @@
       </p:grpSpPr>
       <p:sp>
         <p:nvSpPr>
-          <p:cNvPr id="2" name="Date Placeholder 1">
-            <a:extLst>
-              <a:ext uri="{FF2B5EF4-FFF2-40B4-BE49-F238E27FC236}">
-                <a16:creationId xmlns:a16="http://schemas.microsoft.com/office/drawing/2014/main" id="{E43CF411-F790-4348-860D-434203633C4D}"/>
-              </a:ext>
-            </a:extLst>
-          </p:cNvPr>
+          <p:cNvPr id="2" name="Date Placeholder 1"/>
           <p:cNvSpPr>
             <a:spLocks noGrp="1"/>
           </p:cNvSpPr>
@@ -2065,7 +1819,7 @@
           <a:p>
             <a:fld id="{DCEEB128-1E65-4641-87B1-44A3FA06E850}" type="datetimeFigureOut">
               <a:rPr lang="en-US" smtClean="0"/>
-              <a:t>6/29/2021</a:t>
+              <a:t>7/25/2021</a:t>
             </a:fld>
             <a:endParaRPr lang="en-US"/>
           </a:p>
@@ -2073,13 +1827,7 @@
       </p:sp>
       <p:sp>
         <p:nvSpPr>
-          <p:cNvPr id="3" name="Footer Placeholder 2">
-            <a:extLst>
-              <a:ext uri="{FF2B5EF4-FFF2-40B4-BE49-F238E27FC236}">
-                <a16:creationId xmlns:a16="http://schemas.microsoft.com/office/drawing/2014/main" id="{B82D0478-2F29-4C52-B27A-88F9E5EABF04}"/>
-              </a:ext>
-            </a:extLst>
-          </p:cNvPr>
+          <p:cNvPr id="3" name="Footer Placeholder 2"/>
           <p:cNvSpPr>
             <a:spLocks noGrp="1"/>
           </p:cNvSpPr>
@@ -2098,13 +1846,7 @@
       </p:sp>
       <p:sp>
         <p:nvSpPr>
-          <p:cNvPr id="4" name="Slide Number Placeholder 3">
-            <a:extLst>
-              <a:ext uri="{FF2B5EF4-FFF2-40B4-BE49-F238E27FC236}">
-                <a16:creationId xmlns:a16="http://schemas.microsoft.com/office/drawing/2014/main" id="{C0429493-43E5-433B-A4E3-4005CCB1C18F}"/>
-              </a:ext>
-            </a:extLst>
-          </p:cNvPr>
+          <p:cNvPr id="4" name="Slide Number Placeholder 3"/>
           <p:cNvSpPr>
             <a:spLocks noGrp="1"/>
           </p:cNvSpPr>
@@ -2128,7 +1870,7 @@
     </p:spTree>
     <p:extLst>
       <p:ext uri="{BB962C8B-B14F-4D97-AF65-F5344CB8AC3E}">
-        <p14:creationId xmlns:p14="http://schemas.microsoft.com/office/powerpoint/2010/main" val="1571467030"/>
+        <p14:creationId xmlns:p14="http://schemas.microsoft.com/office/powerpoint/2010/main" val="1725022848"/>
       </p:ext>
     </p:extLst>
   </p:cSld>
@@ -2157,13 +1899,7 @@
       </p:grpSpPr>
       <p:sp>
         <p:nvSpPr>
-          <p:cNvPr id="2" name="Title 1">
-            <a:extLst>
-              <a:ext uri="{FF2B5EF4-FFF2-40B4-BE49-F238E27FC236}">
-                <a16:creationId xmlns:a16="http://schemas.microsoft.com/office/drawing/2014/main" id="{62E066B1-ACCB-41CA-853F-03291C504205}"/>
-              </a:ext>
-            </a:extLst>
-          </p:cNvPr>
+          <p:cNvPr id="2" name="Title 1"/>
           <p:cNvSpPr>
             <a:spLocks noGrp="1"/>
           </p:cNvSpPr>
@@ -2173,15 +1909,15 @@
         </p:nvSpPr>
         <p:spPr>
           <a:xfrm>
-            <a:off x="839788" y="457200"/>
-            <a:ext cx="3932237" cy="1600200"/>
+            <a:off x="839788" y="609600"/>
+            <a:ext cx="3932237" cy="2133600"/>
           </a:xfrm>
         </p:spPr>
         <p:txBody>
           <a:bodyPr anchor="b"/>
           <a:lstStyle>
             <a:lvl1pPr>
-              <a:defRPr sz="3200"/>
+              <a:defRPr sz="4267"/>
             </a:lvl1pPr>
           </a:lstStyle>
           <a:p>
@@ -2189,18 +1925,13 @@
               <a:rPr lang="en-US"/>
               <a:t>Click to edit Master title style</a:t>
             </a:r>
-          </a:p>
-        </p:txBody>
-      </p:sp>
-      <p:sp>
-        <p:nvSpPr>
-          <p:cNvPr id="3" name="Content Placeholder 2">
-            <a:extLst>
-              <a:ext uri="{FF2B5EF4-FFF2-40B4-BE49-F238E27FC236}">
-                <a16:creationId xmlns:a16="http://schemas.microsoft.com/office/drawing/2014/main" id="{07B93AFE-4358-443C-81BD-5C9AB38C4AD1}"/>
-              </a:ext>
-            </a:extLst>
-          </p:cNvPr>
+            <a:endParaRPr lang="en-US" dirty="0"/>
+          </a:p>
+        </p:txBody>
+      </p:sp>
+      <p:sp>
+        <p:nvSpPr>
+          <p:cNvPr id="3" name="Content Placeholder 2"/>
           <p:cNvSpPr>
             <a:spLocks noGrp="1"/>
           </p:cNvSpPr>
@@ -2210,39 +1941,39 @@
         </p:nvSpPr>
         <p:spPr>
           <a:xfrm>
-            <a:off x="5183188" y="987425"/>
-            <a:ext cx="6172200" cy="4873625"/>
+            <a:off x="5183188" y="1316569"/>
+            <a:ext cx="6172200" cy="6498167"/>
           </a:xfrm>
         </p:spPr>
         <p:txBody>
           <a:bodyPr/>
           <a:lstStyle>
             <a:lvl1pPr>
-              <a:defRPr sz="3200"/>
+              <a:defRPr sz="4267"/>
             </a:lvl1pPr>
             <a:lvl2pPr>
-              <a:defRPr sz="2800"/>
+              <a:defRPr sz="3733"/>
             </a:lvl2pPr>
             <a:lvl3pPr>
-              <a:defRPr sz="2400"/>
+              <a:defRPr sz="3200"/>
             </a:lvl3pPr>
             <a:lvl4pPr>
-              <a:defRPr sz="2000"/>
+              <a:defRPr sz="2667"/>
             </a:lvl4pPr>
             <a:lvl5pPr>
-              <a:defRPr sz="2000"/>
+              <a:defRPr sz="2667"/>
             </a:lvl5pPr>
             <a:lvl6pPr>
-              <a:defRPr sz="2000"/>
+              <a:defRPr sz="2667"/>
             </a:lvl6pPr>
             <a:lvl7pPr>
-              <a:defRPr sz="2000"/>
+              <a:defRPr sz="2667"/>
             </a:lvl7pPr>
             <a:lvl8pPr>
-              <a:defRPr sz="2000"/>
+              <a:defRPr sz="2667"/>
             </a:lvl8pPr>
             <a:lvl9pPr>
-              <a:defRPr sz="2000"/>
+              <a:defRPr sz="2667"/>
             </a:lvl9pPr>
           </a:lstStyle>
           <a:p>
@@ -2279,18 +2010,13 @@
               <a:rPr lang="en-US"/>
               <a:t>Fifth level</a:t>
             </a:r>
-          </a:p>
-        </p:txBody>
-      </p:sp>
-      <p:sp>
-        <p:nvSpPr>
-          <p:cNvPr id="4" name="Text Placeholder 3">
-            <a:extLst>
-              <a:ext uri="{FF2B5EF4-FFF2-40B4-BE49-F238E27FC236}">
-                <a16:creationId xmlns:a16="http://schemas.microsoft.com/office/drawing/2014/main" id="{31AFF755-4841-4331-9240-21467B48C8C4}"/>
-              </a:ext>
-            </a:extLst>
-          </p:cNvPr>
+            <a:endParaRPr lang="en-US" dirty="0"/>
+          </a:p>
+        </p:txBody>
+      </p:sp>
+      <p:sp>
+        <p:nvSpPr>
+          <p:cNvPr id="4" name="Text Placeholder 3"/>
           <p:cNvSpPr>
             <a:spLocks noGrp="1"/>
           </p:cNvSpPr>
@@ -2300,8 +2026,8 @@
         </p:nvSpPr>
         <p:spPr>
           <a:xfrm>
-            <a:off x="839788" y="2057400"/>
-            <a:ext cx="3932237" cy="3811588"/>
+            <a:off x="839788" y="2743200"/>
+            <a:ext cx="3932237" cy="5082117"/>
           </a:xfrm>
         </p:spPr>
         <p:txBody>
@@ -2309,39 +2035,39 @@
           <a:lstStyle>
             <a:lvl1pPr marL="0" indent="0">
               <a:buNone/>
+              <a:defRPr sz="2133"/>
+            </a:lvl1pPr>
+            <a:lvl2pPr marL="609585" indent="0">
+              <a:buNone/>
+              <a:defRPr sz="1867"/>
+            </a:lvl2pPr>
+            <a:lvl3pPr marL="1219170" indent="0">
+              <a:buNone/>
               <a:defRPr sz="1600"/>
-            </a:lvl1pPr>
-            <a:lvl2pPr marL="457200" indent="0">
-              <a:buNone/>
-              <a:defRPr sz="1400"/>
-            </a:lvl2pPr>
-            <a:lvl3pPr marL="914400" indent="0">
-              <a:buNone/>
-              <a:defRPr sz="1200"/>
             </a:lvl3pPr>
-            <a:lvl4pPr marL="1371600" indent="0">
-              <a:buNone/>
-              <a:defRPr sz="1000"/>
+            <a:lvl4pPr marL="1828754" indent="0">
+              <a:buNone/>
+              <a:defRPr sz="1333"/>
             </a:lvl4pPr>
-            <a:lvl5pPr marL="1828800" indent="0">
-              <a:buNone/>
-              <a:defRPr sz="1000"/>
+            <a:lvl5pPr marL="2438339" indent="0">
+              <a:buNone/>
+              <a:defRPr sz="1333"/>
             </a:lvl5pPr>
-            <a:lvl6pPr marL="2286000" indent="0">
-              <a:buNone/>
-              <a:defRPr sz="1000"/>
+            <a:lvl6pPr marL="3047924" indent="0">
+              <a:buNone/>
+              <a:defRPr sz="1333"/>
             </a:lvl6pPr>
-            <a:lvl7pPr marL="2743200" indent="0">
-              <a:buNone/>
-              <a:defRPr sz="1000"/>
+            <a:lvl7pPr marL="3657509" indent="0">
+              <a:buNone/>
+              <a:defRPr sz="1333"/>
             </a:lvl7pPr>
-            <a:lvl8pPr marL="3200400" indent="0">
-              <a:buNone/>
-              <a:defRPr sz="1000"/>
+            <a:lvl8pPr marL="4267093" indent="0">
+              <a:buNone/>
+              <a:defRPr sz="1333"/>
             </a:lvl8pPr>
-            <a:lvl9pPr marL="3657600" indent="0">
-              <a:buNone/>
-              <a:defRPr sz="1000"/>
+            <a:lvl9pPr marL="4876678" indent="0">
+              <a:buNone/>
+              <a:defRPr sz="1333"/>
             </a:lvl9pPr>
           </a:lstStyle>
           <a:p>
@@ -2355,13 +2081,7 @@
       </p:sp>
       <p:sp>
         <p:nvSpPr>
-          <p:cNvPr id="5" name="Date Placeholder 4">
-            <a:extLst>
-              <a:ext uri="{FF2B5EF4-FFF2-40B4-BE49-F238E27FC236}">
-                <a16:creationId xmlns:a16="http://schemas.microsoft.com/office/drawing/2014/main" id="{31B6079F-2E10-4BE6-8BD0-390B46165725}"/>
-              </a:ext>
-            </a:extLst>
-          </p:cNvPr>
+          <p:cNvPr id="5" name="Date Placeholder 4"/>
           <p:cNvSpPr>
             <a:spLocks noGrp="1"/>
           </p:cNvSpPr>
@@ -2376,7 +2096,7 @@
           <a:p>
             <a:fld id="{DCEEB128-1E65-4641-87B1-44A3FA06E850}" type="datetimeFigureOut">
               <a:rPr lang="en-US" smtClean="0"/>
-              <a:t>6/29/2021</a:t>
+              <a:t>7/25/2021</a:t>
             </a:fld>
             <a:endParaRPr lang="en-US"/>
           </a:p>
@@ -2384,13 +2104,7 @@
       </p:sp>
       <p:sp>
         <p:nvSpPr>
-          <p:cNvPr id="6" name="Footer Placeholder 5">
-            <a:extLst>
-              <a:ext uri="{FF2B5EF4-FFF2-40B4-BE49-F238E27FC236}">
-                <a16:creationId xmlns:a16="http://schemas.microsoft.com/office/drawing/2014/main" id="{B4CF7B75-0E67-445A-B99E-E224BDE826E3}"/>
-              </a:ext>
-            </a:extLst>
-          </p:cNvPr>
+          <p:cNvPr id="6" name="Footer Placeholder 5"/>
           <p:cNvSpPr>
             <a:spLocks noGrp="1"/>
           </p:cNvSpPr>
@@ -2409,13 +2123,7 @@
       </p:sp>
       <p:sp>
         <p:nvSpPr>
-          <p:cNvPr id="7" name="Slide Number Placeholder 6">
-            <a:extLst>
-              <a:ext uri="{FF2B5EF4-FFF2-40B4-BE49-F238E27FC236}">
-                <a16:creationId xmlns:a16="http://schemas.microsoft.com/office/drawing/2014/main" id="{2399A214-0003-471A-A305-A6DF3BCD2400}"/>
-              </a:ext>
-            </a:extLst>
-          </p:cNvPr>
+          <p:cNvPr id="7" name="Slide Number Placeholder 6"/>
           <p:cNvSpPr>
             <a:spLocks noGrp="1"/>
           </p:cNvSpPr>
@@ -2439,7 +2147,7 @@
     </p:spTree>
     <p:extLst>
       <p:ext uri="{BB962C8B-B14F-4D97-AF65-F5344CB8AC3E}">
-        <p14:creationId xmlns:p14="http://schemas.microsoft.com/office/powerpoint/2010/main" val="3729052878"/>
+        <p14:creationId xmlns:p14="http://schemas.microsoft.com/office/powerpoint/2010/main" val="557985850"/>
       </p:ext>
     </p:extLst>
   </p:cSld>
@@ -2468,13 +2176,7 @@
       </p:grpSpPr>
       <p:sp>
         <p:nvSpPr>
-          <p:cNvPr id="2" name="Title 1">
-            <a:extLst>
-              <a:ext uri="{FF2B5EF4-FFF2-40B4-BE49-F238E27FC236}">
-                <a16:creationId xmlns:a16="http://schemas.microsoft.com/office/drawing/2014/main" id="{C6C72064-81E5-47FD-A39B-9C4A3DE21BC4}"/>
-              </a:ext>
-            </a:extLst>
-          </p:cNvPr>
+          <p:cNvPr id="2" name="Title 1"/>
           <p:cNvSpPr>
             <a:spLocks noGrp="1"/>
           </p:cNvSpPr>
@@ -2484,15 +2186,15 @@
         </p:nvSpPr>
         <p:spPr>
           <a:xfrm>
-            <a:off x="839788" y="457200"/>
-            <a:ext cx="3932237" cy="1600200"/>
+            <a:off x="839788" y="609600"/>
+            <a:ext cx="3932237" cy="2133600"/>
           </a:xfrm>
         </p:spPr>
         <p:txBody>
           <a:bodyPr anchor="b"/>
           <a:lstStyle>
             <a:lvl1pPr>
-              <a:defRPr sz="3200"/>
+              <a:defRPr sz="4267"/>
             </a:lvl1pPr>
           </a:lstStyle>
           <a:p>
@@ -2500,20 +2202,15 @@
               <a:rPr lang="en-US"/>
               <a:t>Click to edit Master title style</a:t>
             </a:r>
-          </a:p>
-        </p:txBody>
-      </p:sp>
-      <p:sp>
-        <p:nvSpPr>
-          <p:cNvPr id="3" name="Picture Placeholder 2">
-            <a:extLst>
-              <a:ext uri="{FF2B5EF4-FFF2-40B4-BE49-F238E27FC236}">
-                <a16:creationId xmlns:a16="http://schemas.microsoft.com/office/drawing/2014/main" id="{90995CFF-BF71-478A-AEA7-C0F37087305D}"/>
-              </a:ext>
-            </a:extLst>
-          </p:cNvPr>
-          <p:cNvSpPr>
-            <a:spLocks noGrp="1"/>
+            <a:endParaRPr lang="en-US" dirty="0"/>
+          </a:p>
+        </p:txBody>
+      </p:sp>
+      <p:sp>
+        <p:nvSpPr>
+          <p:cNvPr id="3" name="Picture Placeholder 2"/>
+          <p:cNvSpPr>
+            <a:spLocks noGrp="1" noChangeAspect="1"/>
           </p:cNvSpPr>
           <p:nvPr>
             <p:ph type="pic" idx="1"/>
@@ -2521,64 +2218,62 @@
         </p:nvSpPr>
         <p:spPr>
           <a:xfrm>
-            <a:off x="5183188" y="987425"/>
-            <a:ext cx="6172200" cy="4873625"/>
+            <a:off x="5183188" y="1316569"/>
+            <a:ext cx="6172200" cy="6498167"/>
           </a:xfrm>
         </p:spPr>
         <p:txBody>
-          <a:bodyPr/>
+          <a:bodyPr anchor="t"/>
           <a:lstStyle>
             <a:lvl1pPr marL="0" indent="0">
               <a:buNone/>
+              <a:defRPr sz="4267"/>
+            </a:lvl1pPr>
+            <a:lvl2pPr marL="609585" indent="0">
+              <a:buNone/>
+              <a:defRPr sz="3733"/>
+            </a:lvl2pPr>
+            <a:lvl3pPr marL="1219170" indent="0">
+              <a:buNone/>
               <a:defRPr sz="3200"/>
-            </a:lvl1pPr>
-            <a:lvl2pPr marL="457200" indent="0">
-              <a:buNone/>
-              <a:defRPr sz="2800"/>
-            </a:lvl2pPr>
-            <a:lvl3pPr marL="914400" indent="0">
-              <a:buNone/>
-              <a:defRPr sz="2400"/>
             </a:lvl3pPr>
-            <a:lvl4pPr marL="1371600" indent="0">
-              <a:buNone/>
-              <a:defRPr sz="2000"/>
+            <a:lvl4pPr marL="1828754" indent="0">
+              <a:buNone/>
+              <a:defRPr sz="2667"/>
             </a:lvl4pPr>
-            <a:lvl5pPr marL="1828800" indent="0">
-              <a:buNone/>
-              <a:defRPr sz="2000"/>
+            <a:lvl5pPr marL="2438339" indent="0">
+              <a:buNone/>
+              <a:defRPr sz="2667"/>
             </a:lvl5pPr>
-            <a:lvl6pPr marL="2286000" indent="0">
-              <a:buNone/>
-              <a:defRPr sz="2000"/>
+            <a:lvl6pPr marL="3047924" indent="0">
+              <a:buNone/>
+              <a:defRPr sz="2667"/>
             </a:lvl6pPr>
-            <a:lvl7pPr marL="2743200" indent="0">
-              <a:buNone/>
-              <a:defRPr sz="2000"/>
+            <a:lvl7pPr marL="3657509" indent="0">
+              <a:buNone/>
+              <a:defRPr sz="2667"/>
             </a:lvl7pPr>
-            <a:lvl8pPr marL="3200400" indent="0">
-              <a:buNone/>
-              <a:defRPr sz="2000"/>
+            <a:lvl8pPr marL="4267093" indent="0">
+              <a:buNone/>
+              <a:defRPr sz="2667"/>
             </a:lvl8pPr>
-            <a:lvl9pPr marL="3657600" indent="0">
-              <a:buNone/>
-              <a:defRPr sz="2000"/>
+            <a:lvl9pPr marL="4876678" indent="0">
+              <a:buNone/>
+              <a:defRPr sz="2667"/>
             </a:lvl9pPr>
           </a:lstStyle>
           <a:p>
-            <a:endParaRPr lang="en-US"/>
-          </a:p>
-        </p:txBody>
-      </p:sp>
-      <p:sp>
-        <p:nvSpPr>
-          <p:cNvPr id="4" name="Text Placeholder 3">
-            <a:extLst>
-              <a:ext uri="{FF2B5EF4-FFF2-40B4-BE49-F238E27FC236}">
-                <a16:creationId xmlns:a16="http://schemas.microsoft.com/office/drawing/2014/main" id="{E6452BAD-181A-4C03-A716-D503ECD7320A}"/>
-              </a:ext>
-            </a:extLst>
-          </p:cNvPr>
+            <a:r>
+              <a:rPr lang="en-US"/>
+              <a:t>Click icon to add picture</a:t>
+            </a:r>
+            <a:endParaRPr lang="en-US" dirty="0"/>
+          </a:p>
+        </p:txBody>
+      </p:sp>
+      <p:sp>
+        <p:nvSpPr>
+          <p:cNvPr id="4" name="Text Placeholder 3"/>
           <p:cNvSpPr>
             <a:spLocks noGrp="1"/>
           </p:cNvSpPr>
@@ -2588,8 +2283,8 @@
         </p:nvSpPr>
         <p:spPr>
           <a:xfrm>
-            <a:off x="839788" y="2057400"/>
-            <a:ext cx="3932237" cy="3811588"/>
+            <a:off x="839788" y="2743200"/>
+            <a:ext cx="3932237" cy="5082117"/>
           </a:xfrm>
         </p:spPr>
         <p:txBody>
@@ -2597,39 +2292,39 @@
           <a:lstStyle>
             <a:lvl1pPr marL="0" indent="0">
               <a:buNone/>
+              <a:defRPr sz="2133"/>
+            </a:lvl1pPr>
+            <a:lvl2pPr marL="609585" indent="0">
+              <a:buNone/>
+              <a:defRPr sz="1867"/>
+            </a:lvl2pPr>
+            <a:lvl3pPr marL="1219170" indent="0">
+              <a:buNone/>
               <a:defRPr sz="1600"/>
-            </a:lvl1pPr>
-            <a:lvl2pPr marL="457200" indent="0">
-              <a:buNone/>
-              <a:defRPr sz="1400"/>
-            </a:lvl2pPr>
-            <a:lvl3pPr marL="914400" indent="0">
-              <a:buNone/>
-              <a:defRPr sz="1200"/>
             </a:lvl3pPr>
-            <a:lvl4pPr marL="1371600" indent="0">
-              <a:buNone/>
-              <a:defRPr sz="1000"/>
+            <a:lvl4pPr marL="1828754" indent="0">
+              <a:buNone/>
+              <a:defRPr sz="1333"/>
             </a:lvl4pPr>
-            <a:lvl5pPr marL="1828800" indent="0">
-              <a:buNone/>
-              <a:defRPr sz="1000"/>
+            <a:lvl5pPr marL="2438339" indent="0">
+              <a:buNone/>
+              <a:defRPr sz="1333"/>
             </a:lvl5pPr>
-            <a:lvl6pPr marL="2286000" indent="0">
-              <a:buNone/>
-              <a:defRPr sz="1000"/>
+            <a:lvl6pPr marL="3047924" indent="0">
+              <a:buNone/>
+              <a:defRPr sz="1333"/>
             </a:lvl6pPr>
-            <a:lvl7pPr marL="2743200" indent="0">
-              <a:buNone/>
-              <a:defRPr sz="1000"/>
+            <a:lvl7pPr marL="3657509" indent="0">
+              <a:buNone/>
+              <a:defRPr sz="1333"/>
             </a:lvl7pPr>
-            <a:lvl8pPr marL="3200400" indent="0">
-              <a:buNone/>
-              <a:defRPr sz="1000"/>
+            <a:lvl8pPr marL="4267093" indent="0">
+              <a:buNone/>
+              <a:defRPr sz="1333"/>
             </a:lvl8pPr>
-            <a:lvl9pPr marL="3657600" indent="0">
-              <a:buNone/>
-              <a:defRPr sz="1000"/>
+            <a:lvl9pPr marL="4876678" indent="0">
+              <a:buNone/>
+              <a:defRPr sz="1333"/>
             </a:lvl9pPr>
           </a:lstStyle>
           <a:p>
@@ -2643,13 +2338,7 @@
       </p:sp>
       <p:sp>
         <p:nvSpPr>
-          <p:cNvPr id="5" name="Date Placeholder 4">
-            <a:extLst>
-              <a:ext uri="{FF2B5EF4-FFF2-40B4-BE49-F238E27FC236}">
-                <a16:creationId xmlns:a16="http://schemas.microsoft.com/office/drawing/2014/main" id="{9914D0C1-5FA2-4B11-8C12-37F3F9032254}"/>
-              </a:ext>
-            </a:extLst>
-          </p:cNvPr>
+          <p:cNvPr id="5" name="Date Placeholder 4"/>
           <p:cNvSpPr>
             <a:spLocks noGrp="1"/>
           </p:cNvSpPr>
@@ -2664,7 +2353,7 @@
           <a:p>
             <a:fld id="{DCEEB128-1E65-4641-87B1-44A3FA06E850}" type="datetimeFigureOut">
               <a:rPr lang="en-US" smtClean="0"/>
-              <a:t>6/29/2021</a:t>
+              <a:t>7/25/2021</a:t>
             </a:fld>
             <a:endParaRPr lang="en-US"/>
           </a:p>
@@ -2672,13 +2361,7 @@
       </p:sp>
       <p:sp>
         <p:nvSpPr>
-          <p:cNvPr id="6" name="Footer Placeholder 5">
-            <a:extLst>
-              <a:ext uri="{FF2B5EF4-FFF2-40B4-BE49-F238E27FC236}">
-                <a16:creationId xmlns:a16="http://schemas.microsoft.com/office/drawing/2014/main" id="{4E98D6AC-29A5-444A-B171-138A64D2D0AA}"/>
-              </a:ext>
-            </a:extLst>
-          </p:cNvPr>
+          <p:cNvPr id="6" name="Footer Placeholder 5"/>
           <p:cNvSpPr>
             <a:spLocks noGrp="1"/>
           </p:cNvSpPr>
@@ -2697,13 +2380,7 @@
       </p:sp>
       <p:sp>
         <p:nvSpPr>
-          <p:cNvPr id="7" name="Slide Number Placeholder 6">
-            <a:extLst>
-              <a:ext uri="{FF2B5EF4-FFF2-40B4-BE49-F238E27FC236}">
-                <a16:creationId xmlns:a16="http://schemas.microsoft.com/office/drawing/2014/main" id="{C6A1E04F-719E-4AF4-933B-BF5F10D5CB43}"/>
-              </a:ext>
-            </a:extLst>
-          </p:cNvPr>
+          <p:cNvPr id="7" name="Slide Number Placeholder 6"/>
           <p:cNvSpPr>
             <a:spLocks noGrp="1"/>
           </p:cNvSpPr>
@@ -2727,7 +2404,7 @@
     </p:spTree>
     <p:extLst>
       <p:ext uri="{BB962C8B-B14F-4D97-AF65-F5344CB8AC3E}">
-        <p14:creationId xmlns:p14="http://schemas.microsoft.com/office/powerpoint/2010/main" val="3441698883"/>
+        <p14:creationId xmlns:p14="http://schemas.microsoft.com/office/powerpoint/2010/main" val="3017971997"/>
       </p:ext>
     </p:extLst>
   </p:cSld>
@@ -2761,13 +2438,7 @@
       </p:grpSpPr>
       <p:sp>
         <p:nvSpPr>
-          <p:cNvPr id="2" name="Title Placeholder 1">
-            <a:extLst>
-              <a:ext uri="{FF2B5EF4-FFF2-40B4-BE49-F238E27FC236}">
-                <a16:creationId xmlns:a16="http://schemas.microsoft.com/office/drawing/2014/main" id="{AD0DA51A-1FA4-4FCA-9D25-E543D5050B10}"/>
-              </a:ext>
-            </a:extLst>
-          </p:cNvPr>
+          <p:cNvPr id="2" name="Title Placeholder 1"/>
           <p:cNvSpPr>
             <a:spLocks noGrp="1"/>
           </p:cNvSpPr>
@@ -2777,8 +2448,8 @@
         </p:nvSpPr>
         <p:spPr>
           <a:xfrm>
-            <a:off x="838200" y="365125"/>
-            <a:ext cx="10515600" cy="1325563"/>
+            <a:off x="838200" y="486836"/>
+            <a:ext cx="10515600" cy="1767417"/>
           </a:xfrm>
           <a:prstGeom prst="rect">
             <a:avLst/>
@@ -2794,18 +2465,13 @@
               <a:rPr lang="en-US"/>
               <a:t>Click to edit Master title style</a:t>
             </a:r>
-          </a:p>
-        </p:txBody>
-      </p:sp>
-      <p:sp>
-        <p:nvSpPr>
-          <p:cNvPr id="3" name="Text Placeholder 2">
-            <a:extLst>
-              <a:ext uri="{FF2B5EF4-FFF2-40B4-BE49-F238E27FC236}">
-                <a16:creationId xmlns:a16="http://schemas.microsoft.com/office/drawing/2014/main" id="{81012042-ED05-464D-9E65-D7E35A88DF8C}"/>
-              </a:ext>
-            </a:extLst>
-          </p:cNvPr>
+            <a:endParaRPr lang="en-US" dirty="0"/>
+          </a:p>
+        </p:txBody>
+      </p:sp>
+      <p:sp>
+        <p:nvSpPr>
+          <p:cNvPr id="3" name="Text Placeholder 2"/>
           <p:cNvSpPr>
             <a:spLocks noGrp="1"/>
           </p:cNvSpPr>
@@ -2815,8 +2481,8 @@
         </p:nvSpPr>
         <p:spPr>
           <a:xfrm>
-            <a:off x="838200" y="1825625"/>
-            <a:ext cx="10515600" cy="4351338"/>
+            <a:off x="838200" y="2434167"/>
+            <a:ext cx="10515600" cy="5801784"/>
           </a:xfrm>
           <a:prstGeom prst="rect">
             <a:avLst/>
@@ -2861,18 +2527,13 @@
               <a:rPr lang="en-US"/>
               <a:t>Fifth level</a:t>
             </a:r>
-          </a:p>
-        </p:txBody>
-      </p:sp>
-      <p:sp>
-        <p:nvSpPr>
-          <p:cNvPr id="4" name="Date Placeholder 3">
-            <a:extLst>
-              <a:ext uri="{FF2B5EF4-FFF2-40B4-BE49-F238E27FC236}">
-                <a16:creationId xmlns:a16="http://schemas.microsoft.com/office/drawing/2014/main" id="{8AE22F15-254B-4C0B-93CA-FAF18AC85CA4}"/>
-              </a:ext>
-            </a:extLst>
-          </p:cNvPr>
+            <a:endParaRPr lang="en-US" dirty="0"/>
+          </a:p>
+        </p:txBody>
+      </p:sp>
+      <p:sp>
+        <p:nvSpPr>
+          <p:cNvPr id="4" name="Date Placeholder 3"/>
           <p:cNvSpPr>
             <a:spLocks noGrp="1"/>
           </p:cNvSpPr>
@@ -2882,8 +2543,8 @@
         </p:nvSpPr>
         <p:spPr>
           <a:xfrm>
-            <a:off x="838200" y="6356350"/>
-            <a:ext cx="2743200" cy="365125"/>
+            <a:off x="838200" y="8475136"/>
+            <a:ext cx="2743200" cy="486833"/>
           </a:xfrm>
           <a:prstGeom prst="rect">
             <a:avLst/>
@@ -2893,7 +2554,7 @@
           <a:bodyPr vert="horz" lIns="91440" tIns="45720" rIns="91440" bIns="45720" rtlCol="0" anchor="ctr"/>
           <a:lstStyle>
             <a:lvl1pPr algn="l">
-              <a:defRPr sz="1200">
+              <a:defRPr sz="1600">
                 <a:solidFill>
                   <a:schemeClr val="tx1">
                     <a:tint val="75000"/>
@@ -2905,7 +2566,7 @@
           <a:p>
             <a:fld id="{DCEEB128-1E65-4641-87B1-44A3FA06E850}" type="datetimeFigureOut">
               <a:rPr lang="en-US" smtClean="0"/>
-              <a:t>6/29/2021</a:t>
+              <a:t>7/25/2021</a:t>
             </a:fld>
             <a:endParaRPr lang="en-US"/>
           </a:p>
@@ -2913,13 +2574,7 @@
       </p:sp>
       <p:sp>
         <p:nvSpPr>
-          <p:cNvPr id="5" name="Footer Placeholder 4">
-            <a:extLst>
-              <a:ext uri="{FF2B5EF4-FFF2-40B4-BE49-F238E27FC236}">
-                <a16:creationId xmlns:a16="http://schemas.microsoft.com/office/drawing/2014/main" id="{EDC1691C-514C-423D-BB4D-983020B272FA}"/>
-              </a:ext>
-            </a:extLst>
-          </p:cNvPr>
+          <p:cNvPr id="5" name="Footer Placeholder 4"/>
           <p:cNvSpPr>
             <a:spLocks noGrp="1"/>
           </p:cNvSpPr>
@@ -2929,8 +2584,8 @@
         </p:nvSpPr>
         <p:spPr>
           <a:xfrm>
-            <a:off x="4038600" y="6356350"/>
-            <a:ext cx="4114800" cy="365125"/>
+            <a:off x="4038600" y="8475136"/>
+            <a:ext cx="4114800" cy="486833"/>
           </a:xfrm>
           <a:prstGeom prst="rect">
             <a:avLst/>
@@ -2940,7 +2595,7 @@
           <a:bodyPr vert="horz" lIns="91440" tIns="45720" rIns="91440" bIns="45720" rtlCol="0" anchor="ctr"/>
           <a:lstStyle>
             <a:lvl1pPr algn="ctr">
-              <a:defRPr sz="1200">
+              <a:defRPr sz="1600">
                 <a:solidFill>
                   <a:schemeClr val="tx1">
                     <a:tint val="75000"/>
@@ -2956,13 +2611,7 @@
       </p:sp>
       <p:sp>
         <p:nvSpPr>
-          <p:cNvPr id="6" name="Slide Number Placeholder 5">
-            <a:extLst>
-              <a:ext uri="{FF2B5EF4-FFF2-40B4-BE49-F238E27FC236}">
-                <a16:creationId xmlns:a16="http://schemas.microsoft.com/office/drawing/2014/main" id="{4BF59874-62FA-4BAB-8C02-1ED282397768}"/>
-              </a:ext>
-            </a:extLst>
-          </p:cNvPr>
+          <p:cNvPr id="6" name="Slide Number Placeholder 5"/>
           <p:cNvSpPr>
             <a:spLocks noGrp="1"/>
           </p:cNvSpPr>
@@ -2972,8 +2621,8 @@
         </p:nvSpPr>
         <p:spPr>
           <a:xfrm>
-            <a:off x="8610600" y="6356350"/>
-            <a:ext cx="2743200" cy="365125"/>
+            <a:off x="8610600" y="8475136"/>
+            <a:ext cx="2743200" cy="486833"/>
           </a:xfrm>
           <a:prstGeom prst="rect">
             <a:avLst/>
@@ -2983,7 +2632,7 @@
           <a:bodyPr vert="horz" lIns="91440" tIns="45720" rIns="91440" bIns="45720" rtlCol="0" anchor="ctr"/>
           <a:lstStyle>
             <a:lvl1pPr algn="r">
-              <a:defRPr sz="1200">
+              <a:defRPr sz="1600">
                 <a:solidFill>
                   <a:schemeClr val="tx1">
                     <a:tint val="75000"/>
@@ -3004,27 +2653,27 @@
     </p:spTree>
     <p:extLst>
       <p:ext uri="{BB962C8B-B14F-4D97-AF65-F5344CB8AC3E}">
-        <p14:creationId xmlns:p14="http://schemas.microsoft.com/office/powerpoint/2010/main" val="1592030107"/>
+        <p14:creationId xmlns:p14="http://schemas.microsoft.com/office/powerpoint/2010/main" val="1978779910"/>
       </p:ext>
     </p:extLst>
   </p:cSld>
   <p:clrMap bg1="lt1" tx1="dk1" bg2="lt2" tx2="dk2" accent1="accent1" accent2="accent2" accent3="accent3" accent4="accent4" accent5="accent5" accent6="accent6" hlink="hlink" folHlink="folHlink"/>
   <p:sldLayoutIdLst>
-    <p:sldLayoutId id="2147483649" r:id="rId1"/>
-    <p:sldLayoutId id="2147483650" r:id="rId2"/>
-    <p:sldLayoutId id="2147483651" r:id="rId3"/>
-    <p:sldLayoutId id="2147483652" r:id="rId4"/>
-    <p:sldLayoutId id="2147483653" r:id="rId5"/>
-    <p:sldLayoutId id="2147483654" r:id="rId6"/>
-    <p:sldLayoutId id="2147483655" r:id="rId7"/>
-    <p:sldLayoutId id="2147483656" r:id="rId8"/>
-    <p:sldLayoutId id="2147483657" r:id="rId9"/>
-    <p:sldLayoutId id="2147483658" r:id="rId10"/>
-    <p:sldLayoutId id="2147483659" r:id="rId11"/>
+    <p:sldLayoutId id="2147483661" r:id="rId1"/>
+    <p:sldLayoutId id="2147483662" r:id="rId2"/>
+    <p:sldLayoutId id="2147483663" r:id="rId3"/>
+    <p:sldLayoutId id="2147483664" r:id="rId4"/>
+    <p:sldLayoutId id="2147483665" r:id="rId5"/>
+    <p:sldLayoutId id="2147483666" r:id="rId6"/>
+    <p:sldLayoutId id="2147483667" r:id="rId7"/>
+    <p:sldLayoutId id="2147483668" r:id="rId8"/>
+    <p:sldLayoutId id="2147483669" r:id="rId9"/>
+    <p:sldLayoutId id="2147483670" r:id="rId10"/>
+    <p:sldLayoutId id="2147483671" r:id="rId11"/>
   </p:sldLayoutIdLst>
   <p:txStyles>
     <p:titleStyle>
-      <a:lvl1pPr algn="l" defTabSz="914400" rtl="0" eaLnBrk="1" latinLnBrk="0" hangingPunct="1">
+      <a:lvl1pPr algn="l" defTabSz="1219170" rtl="0" eaLnBrk="1" latinLnBrk="0" hangingPunct="1">
         <a:lnSpc>
           <a:spcPct val="90000"/>
         </a:lnSpc>
@@ -3032,7 +2681,7 @@
           <a:spcPct val="0"/>
         </a:spcBef>
         <a:buNone/>
-        <a:defRPr sz="4400" kern="1200">
+        <a:defRPr sz="5867" kern="1200">
           <a:solidFill>
             <a:schemeClr val="tx1"/>
           </a:solidFill>
@@ -3043,16 +2692,16 @@
       </a:lvl1pPr>
     </p:titleStyle>
     <p:bodyStyle>
-      <a:lvl1pPr marL="228600" indent="-228600" algn="l" defTabSz="914400" rtl="0" eaLnBrk="1" latinLnBrk="0" hangingPunct="1">
+      <a:lvl1pPr marL="304792" indent="-304792" algn="l" defTabSz="1219170" rtl="0" eaLnBrk="1" latinLnBrk="0" hangingPunct="1">
         <a:lnSpc>
           <a:spcPct val="90000"/>
         </a:lnSpc>
         <a:spcBef>
-          <a:spcPts val="1000"/>
+          <a:spcPts val="1333"/>
         </a:spcBef>
         <a:buFont typeface="Arial" panose="020B0604020202020204" pitchFamily="34" charset="0"/>
         <a:buChar char="•"/>
-        <a:defRPr sz="2800" kern="1200">
+        <a:defRPr sz="3733" kern="1200">
           <a:solidFill>
             <a:schemeClr val="tx1"/>
           </a:solidFill>
@@ -3061,12 +2710,48 @@
           <a:cs typeface="+mn-cs"/>
         </a:defRPr>
       </a:lvl1pPr>
-      <a:lvl2pPr marL="685800" indent="-228600" algn="l" defTabSz="914400" rtl="0" eaLnBrk="1" latinLnBrk="0" hangingPunct="1">
+      <a:lvl2pPr marL="914377" indent="-304792" algn="l" defTabSz="1219170" rtl="0" eaLnBrk="1" latinLnBrk="0" hangingPunct="1">
         <a:lnSpc>
           <a:spcPct val="90000"/>
         </a:lnSpc>
         <a:spcBef>
-          <a:spcPts val="500"/>
+          <a:spcPts val="667"/>
+        </a:spcBef>
+        <a:buFont typeface="Arial" panose="020B0604020202020204" pitchFamily="34" charset="0"/>
+        <a:buChar char="•"/>
+        <a:defRPr sz="3200" kern="1200">
+          <a:solidFill>
+            <a:schemeClr val="tx1"/>
+          </a:solidFill>
+          <a:latin typeface="+mn-lt"/>
+          <a:ea typeface="+mn-ea"/>
+          <a:cs typeface="+mn-cs"/>
+        </a:defRPr>
+      </a:lvl2pPr>
+      <a:lvl3pPr marL="1523962" indent="-304792" algn="l" defTabSz="1219170" rtl="0" eaLnBrk="1" latinLnBrk="0" hangingPunct="1">
+        <a:lnSpc>
+          <a:spcPct val="90000"/>
+        </a:lnSpc>
+        <a:spcBef>
+          <a:spcPts val="667"/>
+        </a:spcBef>
+        <a:buFont typeface="Arial" panose="020B0604020202020204" pitchFamily="34" charset="0"/>
+        <a:buChar char="•"/>
+        <a:defRPr sz="2667" kern="1200">
+          <a:solidFill>
+            <a:schemeClr val="tx1"/>
+          </a:solidFill>
+          <a:latin typeface="+mn-lt"/>
+          <a:ea typeface="+mn-ea"/>
+          <a:cs typeface="+mn-cs"/>
+        </a:defRPr>
+      </a:lvl3pPr>
+      <a:lvl4pPr marL="2133547" indent="-304792" algn="l" defTabSz="1219170" rtl="0" eaLnBrk="1" latinLnBrk="0" hangingPunct="1">
+        <a:lnSpc>
+          <a:spcPct val="90000"/>
+        </a:lnSpc>
+        <a:spcBef>
+          <a:spcPts val="667"/>
         </a:spcBef>
         <a:buFont typeface="Arial" panose="020B0604020202020204" pitchFamily="34" charset="0"/>
         <a:buChar char="•"/>
@@ -3078,53 +2763,17 @@
           <a:ea typeface="+mn-ea"/>
           <a:cs typeface="+mn-cs"/>
         </a:defRPr>
-      </a:lvl2pPr>
-      <a:lvl3pPr marL="1143000" indent="-228600" algn="l" defTabSz="914400" rtl="0" eaLnBrk="1" latinLnBrk="0" hangingPunct="1">
+      </a:lvl4pPr>
+      <a:lvl5pPr marL="2743131" indent="-304792" algn="l" defTabSz="1219170" rtl="0" eaLnBrk="1" latinLnBrk="0" hangingPunct="1">
         <a:lnSpc>
           <a:spcPct val="90000"/>
         </a:lnSpc>
         <a:spcBef>
-          <a:spcPts val="500"/>
+          <a:spcPts val="667"/>
         </a:spcBef>
         <a:buFont typeface="Arial" panose="020B0604020202020204" pitchFamily="34" charset="0"/>
         <a:buChar char="•"/>
-        <a:defRPr sz="2000" kern="1200">
-          <a:solidFill>
-            <a:schemeClr val="tx1"/>
-          </a:solidFill>
-          <a:latin typeface="+mn-lt"/>
-          <a:ea typeface="+mn-ea"/>
-          <a:cs typeface="+mn-cs"/>
-        </a:defRPr>
-      </a:lvl3pPr>
-      <a:lvl4pPr marL="1600200" indent="-228600" algn="l" defTabSz="914400" rtl="0" eaLnBrk="1" latinLnBrk="0" hangingPunct="1">
-        <a:lnSpc>
-          <a:spcPct val="90000"/>
-        </a:lnSpc>
-        <a:spcBef>
-          <a:spcPts val="500"/>
-        </a:spcBef>
-        <a:buFont typeface="Arial" panose="020B0604020202020204" pitchFamily="34" charset="0"/>
-        <a:buChar char="•"/>
-        <a:defRPr sz="1800" kern="1200">
-          <a:solidFill>
-            <a:schemeClr val="tx1"/>
-          </a:solidFill>
-          <a:latin typeface="+mn-lt"/>
-          <a:ea typeface="+mn-ea"/>
-          <a:cs typeface="+mn-cs"/>
-        </a:defRPr>
-      </a:lvl4pPr>
-      <a:lvl5pPr marL="2057400" indent="-228600" algn="l" defTabSz="914400" rtl="0" eaLnBrk="1" latinLnBrk="0" hangingPunct="1">
-        <a:lnSpc>
-          <a:spcPct val="90000"/>
-        </a:lnSpc>
-        <a:spcBef>
-          <a:spcPts val="500"/>
-        </a:spcBef>
-        <a:buFont typeface="Arial" panose="020B0604020202020204" pitchFamily="34" charset="0"/>
-        <a:buChar char="•"/>
-        <a:defRPr sz="1800" kern="1200">
+        <a:defRPr sz="2400" kern="1200">
           <a:solidFill>
             <a:schemeClr val="tx1"/>
           </a:solidFill>
@@ -3133,16 +2782,16 @@
           <a:cs typeface="+mn-cs"/>
         </a:defRPr>
       </a:lvl5pPr>
-      <a:lvl6pPr marL="2514600" indent="-228600" algn="l" defTabSz="914400" rtl="0" eaLnBrk="1" latinLnBrk="0" hangingPunct="1">
+      <a:lvl6pPr marL="3352716" indent="-304792" algn="l" defTabSz="1219170" rtl="0" eaLnBrk="1" latinLnBrk="0" hangingPunct="1">
         <a:lnSpc>
           <a:spcPct val="90000"/>
         </a:lnSpc>
         <a:spcBef>
-          <a:spcPts val="500"/>
+          <a:spcPts val="667"/>
         </a:spcBef>
         <a:buFont typeface="Arial" panose="020B0604020202020204" pitchFamily="34" charset="0"/>
         <a:buChar char="•"/>
-        <a:defRPr sz="1800" kern="1200">
+        <a:defRPr sz="2400" kern="1200">
           <a:solidFill>
             <a:schemeClr val="tx1"/>
           </a:solidFill>
@@ -3151,16 +2800,16 @@
           <a:cs typeface="+mn-cs"/>
         </a:defRPr>
       </a:lvl6pPr>
-      <a:lvl7pPr marL="2971800" indent="-228600" algn="l" defTabSz="914400" rtl="0" eaLnBrk="1" latinLnBrk="0" hangingPunct="1">
+      <a:lvl7pPr marL="3962301" indent="-304792" algn="l" defTabSz="1219170" rtl="0" eaLnBrk="1" latinLnBrk="0" hangingPunct="1">
         <a:lnSpc>
           <a:spcPct val="90000"/>
         </a:lnSpc>
         <a:spcBef>
-          <a:spcPts val="500"/>
+          <a:spcPts val="667"/>
         </a:spcBef>
         <a:buFont typeface="Arial" panose="020B0604020202020204" pitchFamily="34" charset="0"/>
         <a:buChar char="•"/>
-        <a:defRPr sz="1800" kern="1200">
+        <a:defRPr sz="2400" kern="1200">
           <a:solidFill>
             <a:schemeClr val="tx1"/>
           </a:solidFill>
@@ -3169,16 +2818,16 @@
           <a:cs typeface="+mn-cs"/>
         </a:defRPr>
       </a:lvl7pPr>
-      <a:lvl8pPr marL="3429000" indent="-228600" algn="l" defTabSz="914400" rtl="0" eaLnBrk="1" latinLnBrk="0" hangingPunct="1">
+      <a:lvl8pPr marL="4571886" indent="-304792" algn="l" defTabSz="1219170" rtl="0" eaLnBrk="1" latinLnBrk="0" hangingPunct="1">
         <a:lnSpc>
           <a:spcPct val="90000"/>
         </a:lnSpc>
         <a:spcBef>
-          <a:spcPts val="500"/>
+          <a:spcPts val="667"/>
         </a:spcBef>
         <a:buFont typeface="Arial" panose="020B0604020202020204" pitchFamily="34" charset="0"/>
         <a:buChar char="•"/>
-        <a:defRPr sz="1800" kern="1200">
+        <a:defRPr sz="2400" kern="1200">
           <a:solidFill>
             <a:schemeClr val="tx1"/>
           </a:solidFill>
@@ -3187,16 +2836,16 @@
           <a:cs typeface="+mn-cs"/>
         </a:defRPr>
       </a:lvl8pPr>
-      <a:lvl9pPr marL="3886200" indent="-228600" algn="l" defTabSz="914400" rtl="0" eaLnBrk="1" latinLnBrk="0" hangingPunct="1">
+      <a:lvl9pPr marL="5181470" indent="-304792" algn="l" defTabSz="1219170" rtl="0" eaLnBrk="1" latinLnBrk="0" hangingPunct="1">
         <a:lnSpc>
           <a:spcPct val="90000"/>
         </a:lnSpc>
         <a:spcBef>
-          <a:spcPts val="500"/>
+          <a:spcPts val="667"/>
         </a:spcBef>
         <a:buFont typeface="Arial" panose="020B0604020202020204" pitchFamily="34" charset="0"/>
         <a:buChar char="•"/>
-        <a:defRPr sz="1800" kern="1200">
+        <a:defRPr sz="2400" kern="1200">
           <a:solidFill>
             <a:schemeClr val="tx1"/>
           </a:solidFill>
@@ -3210,8 +2859,8 @@
       <a:defPPr>
         <a:defRPr lang="en-US"/>
       </a:defPPr>
-      <a:lvl1pPr marL="0" algn="l" defTabSz="914400" rtl="0" eaLnBrk="1" latinLnBrk="0" hangingPunct="1">
-        <a:defRPr sz="1800" kern="1200">
+      <a:lvl1pPr marL="0" algn="l" defTabSz="1219170" rtl="0" eaLnBrk="1" latinLnBrk="0" hangingPunct="1">
+        <a:defRPr sz="2400" kern="1200">
           <a:solidFill>
             <a:schemeClr val="tx1"/>
           </a:solidFill>
@@ -3220,8 +2869,8 @@
           <a:cs typeface="+mn-cs"/>
         </a:defRPr>
       </a:lvl1pPr>
-      <a:lvl2pPr marL="457200" algn="l" defTabSz="914400" rtl="0" eaLnBrk="1" latinLnBrk="0" hangingPunct="1">
-        <a:defRPr sz="1800" kern="1200">
+      <a:lvl2pPr marL="609585" algn="l" defTabSz="1219170" rtl="0" eaLnBrk="1" latinLnBrk="0" hangingPunct="1">
+        <a:defRPr sz="2400" kern="1200">
           <a:solidFill>
             <a:schemeClr val="tx1"/>
           </a:solidFill>
@@ -3230,8 +2879,8 @@
           <a:cs typeface="+mn-cs"/>
         </a:defRPr>
       </a:lvl2pPr>
-      <a:lvl3pPr marL="914400" algn="l" defTabSz="914400" rtl="0" eaLnBrk="1" latinLnBrk="0" hangingPunct="1">
-        <a:defRPr sz="1800" kern="1200">
+      <a:lvl3pPr marL="1219170" algn="l" defTabSz="1219170" rtl="0" eaLnBrk="1" latinLnBrk="0" hangingPunct="1">
+        <a:defRPr sz="2400" kern="1200">
           <a:solidFill>
             <a:schemeClr val="tx1"/>
           </a:solidFill>
@@ -3240,8 +2889,8 @@
           <a:cs typeface="+mn-cs"/>
         </a:defRPr>
       </a:lvl3pPr>
-      <a:lvl4pPr marL="1371600" algn="l" defTabSz="914400" rtl="0" eaLnBrk="1" latinLnBrk="0" hangingPunct="1">
-        <a:defRPr sz="1800" kern="1200">
+      <a:lvl4pPr marL="1828754" algn="l" defTabSz="1219170" rtl="0" eaLnBrk="1" latinLnBrk="0" hangingPunct="1">
+        <a:defRPr sz="2400" kern="1200">
           <a:solidFill>
             <a:schemeClr val="tx1"/>
           </a:solidFill>
@@ -3250,8 +2899,8 @@
           <a:cs typeface="+mn-cs"/>
         </a:defRPr>
       </a:lvl4pPr>
-      <a:lvl5pPr marL="1828800" algn="l" defTabSz="914400" rtl="0" eaLnBrk="1" latinLnBrk="0" hangingPunct="1">
-        <a:defRPr sz="1800" kern="1200">
+      <a:lvl5pPr marL="2438339" algn="l" defTabSz="1219170" rtl="0" eaLnBrk="1" latinLnBrk="0" hangingPunct="1">
+        <a:defRPr sz="2400" kern="1200">
           <a:solidFill>
             <a:schemeClr val="tx1"/>
           </a:solidFill>
@@ -3260,8 +2909,8 @@
           <a:cs typeface="+mn-cs"/>
         </a:defRPr>
       </a:lvl5pPr>
-      <a:lvl6pPr marL="2286000" algn="l" defTabSz="914400" rtl="0" eaLnBrk="1" latinLnBrk="0" hangingPunct="1">
-        <a:defRPr sz="1800" kern="1200">
+      <a:lvl6pPr marL="3047924" algn="l" defTabSz="1219170" rtl="0" eaLnBrk="1" latinLnBrk="0" hangingPunct="1">
+        <a:defRPr sz="2400" kern="1200">
           <a:solidFill>
             <a:schemeClr val="tx1"/>
           </a:solidFill>
@@ -3270,8 +2919,8 @@
           <a:cs typeface="+mn-cs"/>
         </a:defRPr>
       </a:lvl6pPr>
-      <a:lvl7pPr marL="2743200" algn="l" defTabSz="914400" rtl="0" eaLnBrk="1" latinLnBrk="0" hangingPunct="1">
-        <a:defRPr sz="1800" kern="1200">
+      <a:lvl7pPr marL="3657509" algn="l" defTabSz="1219170" rtl="0" eaLnBrk="1" latinLnBrk="0" hangingPunct="1">
+        <a:defRPr sz="2400" kern="1200">
           <a:solidFill>
             <a:schemeClr val="tx1"/>
           </a:solidFill>
@@ -3280,8 +2929,8 @@
           <a:cs typeface="+mn-cs"/>
         </a:defRPr>
       </a:lvl7pPr>
-      <a:lvl8pPr marL="3200400" algn="l" defTabSz="914400" rtl="0" eaLnBrk="1" latinLnBrk="0" hangingPunct="1">
-        <a:defRPr sz="1800" kern="1200">
+      <a:lvl8pPr marL="4267093" algn="l" defTabSz="1219170" rtl="0" eaLnBrk="1" latinLnBrk="0" hangingPunct="1">
+        <a:defRPr sz="2400" kern="1200">
           <a:solidFill>
             <a:schemeClr val="tx1"/>
           </a:solidFill>
@@ -3290,8 +2939,8 @@
           <a:cs typeface="+mn-cs"/>
         </a:defRPr>
       </a:lvl8pPr>
-      <a:lvl9pPr marL="3657600" algn="l" defTabSz="914400" rtl="0" eaLnBrk="1" latinLnBrk="0" hangingPunct="1">
-        <a:defRPr sz="1800" kern="1200">
+      <a:lvl9pPr marL="4876678" algn="l" defTabSz="1219170" rtl="0" eaLnBrk="1" latinLnBrk="0" hangingPunct="1">
+        <a:defRPr sz="2400" kern="1200">
           <a:solidFill>
             <a:schemeClr val="tx1"/>
           </a:solidFill>
@@ -3336,7 +2985,7 @@
         </p:nvSpPr>
         <p:spPr>
           <a:xfrm>
-            <a:off x="320841" y="2061229"/>
+            <a:off x="320841" y="3204230"/>
             <a:ext cx="2606842" cy="1219381"/>
           </a:xfrm>
           <a:prstGeom prst="rect">
@@ -3384,7 +3033,7 @@
             </a:endParaRPr>
           </a:p>
           <a:p>
-            <a:pPr marL="342900" indent="-342900" algn="ctr">
+            <a:pPr marL="342892" indent="-342892" algn="ctr">
               <a:buAutoNum type="arabicPeriod"/>
             </a:pPr>
             <a:r>
@@ -3395,7 +3044,7 @@
             </a:r>
           </a:p>
           <a:p>
-            <a:pPr marL="342900" indent="-342900" algn="ctr">
+            <a:pPr marL="342892" indent="-342892" algn="ctr">
               <a:buAutoNum type="arabicPeriod"/>
             </a:pPr>
             <a:r>
@@ -3429,7 +3078,7 @@
         </p:nvCxnSpPr>
         <p:spPr>
           <a:xfrm flipV="1">
-            <a:off x="2979819" y="1628455"/>
+            <a:off x="2979819" y="2771455"/>
             <a:ext cx="1070812" cy="545432"/>
           </a:xfrm>
           <a:prstGeom prst="straightConnector1">
@@ -3473,7 +3122,7 @@
         </p:nvCxnSpPr>
         <p:spPr>
           <a:xfrm>
-            <a:off x="3080083" y="3280610"/>
+            <a:off x="3080083" y="4423612"/>
             <a:ext cx="970548" cy="826169"/>
           </a:xfrm>
           <a:prstGeom prst="straightConnector1">
@@ -3515,7 +3164,7 @@
         </p:nvSpPr>
         <p:spPr>
           <a:xfrm>
-            <a:off x="3112167" y="1443789"/>
+            <a:off x="3112169" y="2586790"/>
             <a:ext cx="818147" cy="369332"/>
           </a:xfrm>
           <a:prstGeom prst="rect">
@@ -3552,7 +3201,7 @@
         </p:nvSpPr>
         <p:spPr>
           <a:xfrm>
-            <a:off x="3226466" y="4034409"/>
+            <a:off x="3226468" y="5177410"/>
             <a:ext cx="818147" cy="369332"/>
           </a:xfrm>
           <a:prstGeom prst="rect">
@@ -3589,7 +3238,7 @@
         </p:nvSpPr>
         <p:spPr>
           <a:xfrm>
-            <a:off x="4146883" y="4251158"/>
+            <a:off x="4146885" y="5394160"/>
             <a:ext cx="1684421" cy="770021"/>
           </a:xfrm>
           <a:prstGeom prst="rect">
@@ -3646,7 +3295,7 @@
         </p:nvSpPr>
         <p:spPr>
           <a:xfrm>
-            <a:off x="4146883" y="561474"/>
+            <a:off x="4146884" y="1704476"/>
             <a:ext cx="2502568" cy="1066981"/>
           </a:xfrm>
           <a:prstGeom prst="rect">
@@ -3729,7 +3378,7 @@
         </p:nvCxnSpPr>
         <p:spPr>
           <a:xfrm flipV="1">
-            <a:off x="5887452" y="3745832"/>
+            <a:off x="5887453" y="4888834"/>
             <a:ext cx="1050758" cy="473243"/>
           </a:xfrm>
           <a:prstGeom prst="straightConnector1">
@@ -3771,7 +3420,7 @@
         </p:nvSpPr>
         <p:spPr>
           <a:xfrm>
-            <a:off x="5831304" y="3481318"/>
+            <a:off x="5831306" y="4624319"/>
             <a:ext cx="818147" cy="369332"/>
           </a:xfrm>
           <a:prstGeom prst="rect">
@@ -3808,7 +3457,7 @@
         </p:nvSpPr>
         <p:spPr>
           <a:xfrm>
-            <a:off x="6003757" y="5518847"/>
+            <a:off x="6003759" y="6661848"/>
             <a:ext cx="818147" cy="369332"/>
           </a:xfrm>
           <a:prstGeom prst="rect">
@@ -3847,7 +3496,7 @@
         </p:nvCxnSpPr>
         <p:spPr>
           <a:xfrm>
-            <a:off x="5887452" y="5109776"/>
+            <a:off x="5887454" y="6252777"/>
             <a:ext cx="1283369" cy="409071"/>
           </a:xfrm>
           <a:prstGeom prst="straightConnector1">
@@ -3889,7 +3538,7 @@
         </p:nvSpPr>
         <p:spPr>
           <a:xfrm>
-            <a:off x="7090610" y="3080265"/>
+            <a:off x="7090612" y="4223267"/>
             <a:ext cx="2855495" cy="770021"/>
           </a:xfrm>
           <a:prstGeom prst="rect">
@@ -3938,6 +3587,12 @@
               </a:rPr>
             </a:br>
             <a:r>
+              <a:rPr lang="en-US" sz="1400" dirty="0">
+                <a:latin typeface="Pragmatica" panose="020B7200000000000000" pitchFamily="34" charset="0"/>
+              </a:rPr>
+              <a:t>!</a:t>
+            </a:r>
+            <a:r>
               <a:rPr lang="en-US" sz="1400" dirty="0" err="1">
                 <a:latin typeface="Consolas" panose="020B0609020204030204" pitchFamily="49" charset="0"/>
               </a:rPr>
@@ -3975,7 +3630,7 @@
         </p:nvSpPr>
         <p:spPr>
           <a:xfrm>
-            <a:off x="7287125" y="5446475"/>
+            <a:off x="7287127" y="6589477"/>
             <a:ext cx="2658979" cy="770021"/>
           </a:xfrm>
           <a:prstGeom prst="rect">
@@ -4025,6 +3680,12 @@
             </a:br>
             <a:r>
               <a:rPr lang="en-US" sz="1400" dirty="0">
+                <a:latin typeface="Pragmatica" panose="020B7200000000000000" pitchFamily="34" charset="0"/>
+              </a:rPr>
+              <a:t>!</a:t>
+            </a:r>
+            <a:r>
+              <a:rPr lang="en-US" sz="1400" dirty="0">
                 <a:latin typeface="Consolas" panose="020B0609020204030204" pitchFamily="49" charset="0"/>
               </a:rPr>
               <a:t>pip install </a:t>
@@ -4041,6 +3702,247 @@
           </a:p>
         </p:txBody>
       </p:sp>
+      <p:pic>
+        <p:nvPicPr>
+          <p:cNvPr id="18" name="Picture 17">
+            <a:extLst>
+              <a:ext uri="{FF2B5EF4-FFF2-40B4-BE49-F238E27FC236}">
+                <a16:creationId xmlns:a16="http://schemas.microsoft.com/office/drawing/2014/main" id="{0D296885-5EE7-473B-928D-DC4E713A7918}"/>
+              </a:ext>
+            </a:extLst>
+          </p:cNvPr>
+          <p:cNvPicPr>
+            <a:picLocks noChangeAspect="1"/>
+          </p:cNvPicPr>
+          <p:nvPr/>
+        </p:nvPicPr>
+        <p:blipFill rotWithShape="1">
+          <a:blip r:embed="rId2"/>
+          <a:srcRect l="1" r="54"/>
+          <a:stretch/>
+        </p:blipFill>
+        <p:spPr>
+          <a:xfrm>
+            <a:off x="3930316" y="-15357"/>
+            <a:ext cx="8300009" cy="954884"/>
+          </a:xfrm>
+          <a:prstGeom prst="rect">
+            <a:avLst/>
+          </a:prstGeom>
+        </p:spPr>
+      </p:pic>
+      <p:sp>
+        <p:nvSpPr>
+          <p:cNvPr id="20" name="TextBox 19">
+            <a:extLst>
+              <a:ext uri="{FF2B5EF4-FFF2-40B4-BE49-F238E27FC236}">
+                <a16:creationId xmlns:a16="http://schemas.microsoft.com/office/drawing/2014/main" id="{944EB45F-D755-47C5-92D2-5A37AA52E173}"/>
+              </a:ext>
+            </a:extLst>
+          </p:cNvPr>
+          <p:cNvSpPr txBox="1"/>
+          <p:nvPr/>
+        </p:nvSpPr>
+        <p:spPr>
+          <a:xfrm>
+            <a:off x="19113" y="1114252"/>
+            <a:ext cx="4969982" cy="415498"/>
+          </a:xfrm>
+          <a:prstGeom prst="rect">
+            <a:avLst/>
+          </a:prstGeom>
+          <a:noFill/>
+        </p:spPr>
+        <p:txBody>
+          <a:bodyPr wrap="square" rtlCol="0">
+            <a:spAutoFit/>
+          </a:bodyPr>
+          <a:lstStyle/>
+          <a:p>
+            <a:r>
+              <a:rPr lang="en-US" sz="2100" b="1" dirty="0">
+                <a:solidFill>
+                  <a:srgbClr val="C00000"/>
+                </a:solidFill>
+                <a:latin typeface="Pragmatica" panose="020B7200000000000000" pitchFamily="34" charset="0"/>
+              </a:rPr>
+              <a:t>Sourcing Python packages</a:t>
+            </a:r>
+          </a:p>
+        </p:txBody>
+      </p:sp>
+      <p:sp>
+        <p:nvSpPr>
+          <p:cNvPr id="23" name="TextBox 22">
+            <a:extLst>
+              <a:ext uri="{FF2B5EF4-FFF2-40B4-BE49-F238E27FC236}">
+                <a16:creationId xmlns:a16="http://schemas.microsoft.com/office/drawing/2014/main" id="{EBBD37A0-6CF6-47CB-96E4-4D63D4E03AE5}"/>
+              </a:ext>
+            </a:extLst>
+          </p:cNvPr>
+          <p:cNvSpPr txBox="1"/>
+          <p:nvPr/>
+        </p:nvSpPr>
+        <p:spPr>
+          <a:xfrm>
+            <a:off x="49663" y="7666031"/>
+            <a:ext cx="11908192" cy="1200842"/>
+          </a:xfrm>
+          <a:prstGeom prst="rect">
+            <a:avLst/>
+          </a:prstGeom>
+          <a:noFill/>
+        </p:spPr>
+        <p:txBody>
+          <a:bodyPr wrap="square" rtlCol="0">
+            <a:spAutoFit/>
+          </a:bodyPr>
+          <a:lstStyle/>
+          <a:p>
+            <a:r>
+              <a:rPr lang="en-US" sz="1801" dirty="0">
+                <a:solidFill>
+                  <a:srgbClr val="C00000"/>
+                </a:solidFill>
+                <a:latin typeface="Pragmatica" panose="020B7200000000000000" pitchFamily="34" charset="0"/>
+              </a:rPr>
+              <a:t>If you’re looking to use a new Python package, try loading from Anaconda first. If you can’t get it there, go to the Python Package Index. Either way,</a:t>
+            </a:r>
+            <a:r>
+              <a:rPr lang="en-US" sz="1801" i="1" dirty="0">
+                <a:solidFill>
+                  <a:srgbClr val="C00000"/>
+                </a:solidFill>
+                <a:latin typeface="Pragmatica" panose="020B7200000000000000" pitchFamily="34" charset="0"/>
+              </a:rPr>
+              <a:t> make sure to load it before using!</a:t>
+            </a:r>
+          </a:p>
+          <a:p>
+            <a:endParaRPr lang="en-US" sz="1801" i="1" dirty="0">
+              <a:solidFill>
+                <a:srgbClr val="C00000"/>
+              </a:solidFill>
+              <a:latin typeface="Pragmatica" panose="020B7200000000000000" pitchFamily="34" charset="0"/>
+            </a:endParaRPr>
+          </a:p>
+          <a:p>
+            <a:r>
+              <a:rPr lang="en-US" sz="1801" b="1" dirty="0">
+                <a:solidFill>
+                  <a:srgbClr val="C00000"/>
+                </a:solidFill>
+                <a:latin typeface="Pragmatica" panose="020B7200000000000000" pitchFamily="34" charset="0"/>
+                <a:hlinkClick r:id="rId3">
+                  <a:extLst>
+                    <a:ext uri="{A12FA001-AC4F-418D-AE19-62706E023703}">
+                      <ahyp:hlinkClr xmlns:ahyp="http://schemas.microsoft.com/office/drawing/2018/hyperlinkcolor" val="tx"/>
+                    </a:ext>
+                  </a:extLst>
+                </a:hlinkClick>
+              </a:rPr>
+              <a:t>For more resources, subscribe at stringfestanalytics.com</a:t>
+            </a:r>
+            <a:r>
+              <a:rPr lang="en-US" sz="1801" dirty="0">
+                <a:solidFill>
+                  <a:srgbClr val="C00000"/>
+                </a:solidFill>
+                <a:latin typeface="Pragmatica" panose="020B7200000000000000" pitchFamily="34" charset="0"/>
+              </a:rPr>
+              <a:t>. </a:t>
+            </a:r>
+          </a:p>
+        </p:txBody>
+      </p:sp>
+      <p:cxnSp>
+        <p:nvCxnSpPr>
+          <p:cNvPr id="26" name="Straight Arrow Connector 25">
+            <a:extLst>
+              <a:ext uri="{FF2B5EF4-FFF2-40B4-BE49-F238E27FC236}">
+                <a16:creationId xmlns:a16="http://schemas.microsoft.com/office/drawing/2014/main" id="{F74FBA21-E0ED-4890-9A39-F94D0D8A5D85}"/>
+              </a:ext>
+            </a:extLst>
+          </p:cNvPr>
+          <p:cNvCxnSpPr>
+            <a:cxnSpLocks/>
+          </p:cNvCxnSpPr>
+          <p:nvPr/>
+        </p:nvCxnSpPr>
+        <p:spPr>
+          <a:xfrm flipH="1" flipV="1">
+            <a:off x="6529138" y="2891223"/>
+            <a:ext cx="850233" cy="1150106"/>
+          </a:xfrm>
+          <a:prstGeom prst="straightConnector1">
+            <a:avLst/>
+          </a:prstGeom>
+          <a:ln>
+            <a:solidFill>
+              <a:schemeClr val="tx1"/>
+            </a:solidFill>
+            <a:tailEnd type="triangle"/>
+          </a:ln>
+        </p:spPr>
+        <p:style>
+          <a:lnRef idx="1">
+            <a:schemeClr val="accent1"/>
+          </a:lnRef>
+          <a:fillRef idx="0">
+            <a:schemeClr val="accent1"/>
+          </a:fillRef>
+          <a:effectRef idx="0">
+            <a:schemeClr val="accent1"/>
+          </a:effectRef>
+          <a:fontRef idx="minor">
+            <a:schemeClr val="tx1"/>
+          </a:fontRef>
+        </p:style>
+      </p:cxnSp>
+      <p:cxnSp>
+        <p:nvCxnSpPr>
+          <p:cNvPr id="27" name="Straight Arrow Connector 26">
+            <a:extLst>
+              <a:ext uri="{FF2B5EF4-FFF2-40B4-BE49-F238E27FC236}">
+                <a16:creationId xmlns:a16="http://schemas.microsoft.com/office/drawing/2014/main" id="{5FC0AEB9-18DB-49DB-BED2-EC17E52D2274}"/>
+              </a:ext>
+            </a:extLst>
+          </p:cNvPr>
+          <p:cNvCxnSpPr>
+            <a:cxnSpLocks/>
+          </p:cNvCxnSpPr>
+          <p:nvPr/>
+        </p:nvCxnSpPr>
+        <p:spPr>
+          <a:xfrm flipH="1" flipV="1">
+            <a:off x="6240380" y="2945776"/>
+            <a:ext cx="1291391" cy="3511536"/>
+          </a:xfrm>
+          <a:prstGeom prst="straightConnector1">
+            <a:avLst/>
+          </a:prstGeom>
+          <a:ln>
+            <a:solidFill>
+              <a:schemeClr val="tx1"/>
+            </a:solidFill>
+            <a:tailEnd type="triangle"/>
+          </a:ln>
+        </p:spPr>
+        <p:style>
+          <a:lnRef idx="1">
+            <a:schemeClr val="accent1"/>
+          </a:lnRef>
+          <a:fillRef idx="0">
+            <a:schemeClr val="accent1"/>
+          </a:fillRef>
+          <a:effectRef idx="0">
+            <a:schemeClr val="accent1"/>
+          </a:effectRef>
+          <a:fontRef idx="minor">
+            <a:schemeClr val="tx1"/>
+          </a:fontRef>
+        </p:style>
+      </p:cxnSp>
     </p:spTree>
     <p:extLst>
       <p:ext uri="{BB962C8B-B14F-4D97-AF65-F5344CB8AC3E}">
@@ -4054,70 +3956,10 @@
 </p:sld>
 </file>
 
-<file path=ppt/slides/slide2.xml><?xml version="1.0" encoding="utf-8"?>
-<p:sld xmlns:a="http://schemas.openxmlformats.org/drawingml/2006/main" xmlns:r="http://schemas.openxmlformats.org/officeDocument/2006/relationships" xmlns:p="http://schemas.openxmlformats.org/presentationml/2006/main">
-  <p:cSld>
-    <p:spTree>
-      <p:nvGrpSpPr>
-        <p:cNvPr id="1" name=""/>
-        <p:cNvGrpSpPr/>
-        <p:nvPr/>
-      </p:nvGrpSpPr>
-      <p:grpSpPr>
-        <a:xfrm>
-          <a:off x="0" y="0"/>
-          <a:ext cx="0" cy="0"/>
-          <a:chOff x="0" y="0"/>
-          <a:chExt cx="0" cy="0"/>
-        </a:xfrm>
-      </p:grpSpPr>
-      <p:pic>
-        <p:nvPicPr>
-          <p:cNvPr id="4" name="Picture 3">
-            <a:extLst>
-              <a:ext uri="{FF2B5EF4-FFF2-40B4-BE49-F238E27FC236}">
-                <a16:creationId xmlns:a16="http://schemas.microsoft.com/office/drawing/2014/main" id="{99592704-B7D6-4FDC-BB3A-8D96B83C9389}"/>
-              </a:ext>
-            </a:extLst>
-          </p:cNvPr>
-          <p:cNvPicPr>
-            <a:picLocks noChangeAspect="1"/>
-          </p:cNvPicPr>
-          <p:nvPr/>
-        </p:nvPicPr>
-        <p:blipFill>
-          <a:blip r:embed="rId2"/>
-          <a:stretch>
-            <a:fillRect/>
-          </a:stretch>
-        </p:blipFill>
-        <p:spPr>
-          <a:xfrm>
-            <a:off x="1282791" y="578873"/>
-            <a:ext cx="9626418" cy="5700254"/>
-          </a:xfrm>
-          <a:prstGeom prst="rect">
-            <a:avLst/>
-          </a:prstGeom>
-        </p:spPr>
-      </p:pic>
-    </p:spTree>
-    <p:extLst>
-      <p:ext uri="{BB962C8B-B14F-4D97-AF65-F5344CB8AC3E}">
-        <p14:creationId xmlns:p14="http://schemas.microsoft.com/office/powerpoint/2010/main" val="2998730542"/>
-      </p:ext>
-    </p:extLst>
-  </p:cSld>
-  <p:clrMapOvr>
-    <a:masterClrMapping/>
-  </p:clrMapOvr>
-</p:sld>
-</file>
-
 <file path=ppt/theme/theme1.xml><?xml version="1.0" encoding="utf-8"?>
 <a:theme xmlns:a="http://schemas.openxmlformats.org/drawingml/2006/main" name="Office Theme">
   <a:themeElements>
-    <a:clrScheme name="Office">
+    <a:clrScheme name="Office Theme">
       <a:dk1>
         <a:sysClr val="windowText" lastClr="000000"/>
       </a:dk1>
@@ -4155,7 +3997,7 @@
         <a:srgbClr val="954F72"/>
       </a:folHlink>
     </a:clrScheme>
-    <a:fontScheme name="Office">
+    <a:fontScheme name="Office Theme">
       <a:majorFont>
         <a:latin typeface="Calibri Light" panose="020F0302020204030204"/>
         <a:ea typeface=""/>
@@ -4190,23 +4032,6 @@
         <a:font script="Viet" typeface="Times New Roman"/>
         <a:font script="Uigh" typeface="Microsoft Uighur"/>
         <a:font script="Geor" typeface="Sylfaen"/>
-        <a:font script="Armn" typeface="Arial"/>
-        <a:font script="Bugi" typeface="Leelawadee UI"/>
-        <a:font script="Bopo" typeface="Microsoft JhengHei"/>
-        <a:font script="Java" typeface="Javanese Text"/>
-        <a:font script="Lisu" typeface="Segoe UI"/>
-        <a:font script="Mymr" typeface="Myanmar Text"/>
-        <a:font script="Nkoo" typeface="Ebrima"/>
-        <a:font script="Olck" typeface="Nirmala UI"/>
-        <a:font script="Osma" typeface="Ebrima"/>
-        <a:font script="Phag" typeface="Phagspa"/>
-        <a:font script="Syrn" typeface="Estrangelo Edessa"/>
-        <a:font script="Syrj" typeface="Estrangelo Edessa"/>
-        <a:font script="Syre" typeface="Estrangelo Edessa"/>
-        <a:font script="Sora" typeface="Nirmala UI"/>
-        <a:font script="Tale" typeface="Microsoft Tai Le"/>
-        <a:font script="Talu" typeface="Microsoft New Tai Lue"/>
-        <a:font script="Tfng" typeface="Ebrima"/>
       </a:majorFont>
       <a:minorFont>
         <a:latin typeface="Calibri" panose="020F0502020204030204"/>
@@ -4242,26 +4067,9 @@
         <a:font script="Viet" typeface="Arial"/>
         <a:font script="Uigh" typeface="Microsoft Uighur"/>
         <a:font script="Geor" typeface="Sylfaen"/>
-        <a:font script="Armn" typeface="Arial"/>
-        <a:font script="Bugi" typeface="Leelawadee UI"/>
-        <a:font script="Bopo" typeface="Microsoft JhengHei"/>
-        <a:font script="Java" typeface="Javanese Text"/>
-        <a:font script="Lisu" typeface="Segoe UI"/>
-        <a:font script="Mymr" typeface="Myanmar Text"/>
-        <a:font script="Nkoo" typeface="Ebrima"/>
-        <a:font script="Olck" typeface="Nirmala UI"/>
-        <a:font script="Osma" typeface="Ebrima"/>
-        <a:font script="Phag" typeface="Phagspa"/>
-        <a:font script="Syrn" typeface="Estrangelo Edessa"/>
-        <a:font script="Syrj" typeface="Estrangelo Edessa"/>
-        <a:font script="Syre" typeface="Estrangelo Edessa"/>
-        <a:font script="Sora" typeface="Nirmala UI"/>
-        <a:font script="Tale" typeface="Microsoft Tai Le"/>
-        <a:font script="Talu" typeface="Microsoft New Tai Lue"/>
-        <a:font script="Tfng" typeface="Ebrima"/>
       </a:minorFont>
     </a:fontScheme>
-    <a:fmtScheme name="Office">
+    <a:fmtScheme name="Office Theme">
       <a:fillStyleLst>
         <a:solidFill>
           <a:schemeClr val="phClr"/>
